--- a/try04_20251204/20251204개발.pptx
+++ b/try04_20251204/20251204개발.pptx
@@ -8,6 +8,8 @@
     <p:sldId id="256" r:id="rId2"/>
     <p:sldId id="257" r:id="rId3"/>
     <p:sldId id="258" r:id="rId4"/>
+    <p:sldId id="259" r:id="rId5"/>
+    <p:sldId id="260" r:id="rId6"/>
   </p:sldIdLst>
   <p:sldSz cx="12192000" cy="6858000"/>
   <p:notesSz cx="6858000" cy="9144000"/>
@@ -4100,6 +4102,2810 @@
 </p:sld>
 </file>
 
+<file path=ppt/slides/slide4.xml><?xml version="1.0" encoding="utf-8"?>
+<p:sld xmlns:a="http://schemas.openxmlformats.org/drawingml/2006/main" xmlns:r="http://schemas.openxmlformats.org/officeDocument/2006/relationships" xmlns:p="http://schemas.openxmlformats.org/presentationml/2006/main">
+  <p:cSld>
+    <p:spTree>
+      <p:nvGrpSpPr>
+        <p:cNvPr id="1" name="">
+          <a:extLst>
+            <a:ext uri="{FF2B5EF4-FFF2-40B4-BE49-F238E27FC236}">
+              <a16:creationId xmlns:a16="http://schemas.microsoft.com/office/drawing/2014/main" id="{57F7E55F-E544-70E6-F265-6E4E84E6EE8C}"/>
+            </a:ext>
+          </a:extLst>
+        </p:cNvPr>
+        <p:cNvGrpSpPr/>
+        <p:nvPr/>
+      </p:nvGrpSpPr>
+      <p:grpSpPr>
+        <a:xfrm>
+          <a:off x="0" y="0"/>
+          <a:ext cx="0" cy="0"/>
+          <a:chOff x="0" y="0"/>
+          <a:chExt cx="0" cy="0"/>
+        </a:xfrm>
+      </p:grpSpPr>
+      <p:grpSp>
+        <p:nvGrpSpPr>
+          <p:cNvPr id="15" name="그룹 14">
+            <a:extLst>
+              <a:ext uri="{FF2B5EF4-FFF2-40B4-BE49-F238E27FC236}">
+                <a16:creationId xmlns:a16="http://schemas.microsoft.com/office/drawing/2014/main" id="{5D9451FB-AA39-214B-DA8C-F2819E11A81A}"/>
+              </a:ext>
+            </a:extLst>
+          </p:cNvPr>
+          <p:cNvGrpSpPr/>
+          <p:nvPr/>
+        </p:nvGrpSpPr>
+        <p:grpSpPr>
+          <a:xfrm>
+            <a:off x="2672800" y="356140"/>
+            <a:ext cx="6473491" cy="6145719"/>
+            <a:chOff x="713372" y="356140"/>
+            <a:chExt cx="6473491" cy="6145719"/>
+          </a:xfrm>
+        </p:grpSpPr>
+        <p:pic>
+          <p:nvPicPr>
+            <p:cNvPr id="3" name="그림 2">
+              <a:extLst>
+                <a:ext uri="{FF2B5EF4-FFF2-40B4-BE49-F238E27FC236}">
+                  <a16:creationId xmlns:a16="http://schemas.microsoft.com/office/drawing/2014/main" id="{2BA1311C-BB30-2A7F-12C2-AB69C3688435}"/>
+                </a:ext>
+              </a:extLst>
+            </p:cNvPr>
+            <p:cNvPicPr>
+              <a:picLocks noChangeAspect="1"/>
+            </p:cNvPicPr>
+            <p:nvPr/>
+          </p:nvPicPr>
+          <p:blipFill>
+            <a:blip r:embed="rId2"/>
+            <a:stretch>
+              <a:fillRect/>
+            </a:stretch>
+          </p:blipFill>
+          <p:spPr>
+            <a:xfrm>
+              <a:off x="713372" y="356140"/>
+              <a:ext cx="6473491" cy="3195774"/>
+            </a:xfrm>
+            <a:prstGeom prst="rect">
+              <a:avLst/>
+            </a:prstGeom>
+          </p:spPr>
+        </p:pic>
+        <p:pic>
+          <p:nvPicPr>
+            <p:cNvPr id="10" name="그림 9">
+              <a:extLst>
+                <a:ext uri="{FF2B5EF4-FFF2-40B4-BE49-F238E27FC236}">
+                  <a16:creationId xmlns:a16="http://schemas.microsoft.com/office/drawing/2014/main" id="{912CDA49-FBE0-9693-5CB7-9B839A269207}"/>
+                </a:ext>
+              </a:extLst>
+            </p:cNvPr>
+            <p:cNvPicPr>
+              <a:picLocks noChangeAspect="1"/>
+            </p:cNvPicPr>
+            <p:nvPr/>
+          </p:nvPicPr>
+          <p:blipFill>
+            <a:blip r:embed="rId3"/>
+            <a:stretch>
+              <a:fillRect/>
+            </a:stretch>
+          </p:blipFill>
+          <p:spPr>
+            <a:xfrm>
+              <a:off x="713372" y="3306085"/>
+              <a:ext cx="6473491" cy="3195774"/>
+            </a:xfrm>
+            <a:prstGeom prst="rect">
+              <a:avLst/>
+            </a:prstGeom>
+          </p:spPr>
+        </p:pic>
+        <p:sp>
+          <p:nvSpPr>
+            <p:cNvPr id="13" name="TextBox 12">
+              <a:extLst>
+                <a:ext uri="{FF2B5EF4-FFF2-40B4-BE49-F238E27FC236}">
+                  <a16:creationId xmlns:a16="http://schemas.microsoft.com/office/drawing/2014/main" id="{D5BC9F87-EC33-5273-4EC5-A8F696C2F0E1}"/>
+                </a:ext>
+              </a:extLst>
+            </p:cNvPr>
+            <p:cNvSpPr txBox="1"/>
+            <p:nvPr/>
+          </p:nvSpPr>
+          <p:spPr>
+            <a:xfrm>
+              <a:off x="6431282" y="3138490"/>
+              <a:ext cx="691515" cy="230832"/>
+            </a:xfrm>
+            <a:prstGeom prst="rect">
+              <a:avLst/>
+            </a:prstGeom>
+            <a:noFill/>
+          </p:spPr>
+          <p:txBody>
+            <a:bodyPr wrap="square" rtlCol="0">
+              <a:spAutoFit/>
+            </a:bodyPr>
+            <a:lstStyle/>
+            <a:p>
+              <a:pPr algn="ctr"/>
+              <a:r>
+                <a:rPr lang="en-US" altLang="ko-KR" sz="900" b="1" dirty="0"/>
+                <a:t>54</a:t>
+              </a:r>
+              <a:r>
+                <a:rPr lang="ko-KR" altLang="en-US" sz="900" b="1" dirty="0"/>
+                <a:t>이상</a:t>
+              </a:r>
+            </a:p>
+          </p:txBody>
+        </p:sp>
+        <p:sp>
+          <p:nvSpPr>
+            <p:cNvPr id="14" name="TextBox 13">
+              <a:extLst>
+                <a:ext uri="{FF2B5EF4-FFF2-40B4-BE49-F238E27FC236}">
+                  <a16:creationId xmlns:a16="http://schemas.microsoft.com/office/drawing/2014/main" id="{1D6B769A-526A-A5C8-AED1-ADEA65F02538}"/>
+                </a:ext>
+              </a:extLst>
+            </p:cNvPr>
+            <p:cNvSpPr txBox="1"/>
+            <p:nvPr/>
+          </p:nvSpPr>
+          <p:spPr>
+            <a:xfrm>
+              <a:off x="6431282" y="5700715"/>
+              <a:ext cx="691515" cy="230832"/>
+            </a:xfrm>
+            <a:prstGeom prst="rect">
+              <a:avLst/>
+            </a:prstGeom>
+            <a:noFill/>
+          </p:spPr>
+          <p:txBody>
+            <a:bodyPr wrap="square" rtlCol="0">
+              <a:spAutoFit/>
+            </a:bodyPr>
+            <a:lstStyle/>
+            <a:p>
+              <a:pPr algn="ctr"/>
+              <a:r>
+                <a:rPr lang="en-US" altLang="ko-KR" sz="900" b="1" dirty="0"/>
+                <a:t>1000</a:t>
+              </a:r>
+              <a:r>
+                <a:rPr lang="ko-KR" altLang="en-US" sz="900" b="1" dirty="0"/>
+                <a:t>이상</a:t>
+              </a:r>
+            </a:p>
+          </p:txBody>
+        </p:sp>
+      </p:grpSp>
+    </p:spTree>
+    <p:extLst>
+      <p:ext uri="{BB962C8B-B14F-4D97-AF65-F5344CB8AC3E}">
+        <p14:creationId xmlns:p14="http://schemas.microsoft.com/office/powerpoint/2010/main" val="1454264367"/>
+      </p:ext>
+    </p:extLst>
+  </p:cSld>
+  <p:clrMapOvr>
+    <a:masterClrMapping/>
+  </p:clrMapOvr>
+</p:sld>
+</file>
+
+<file path=ppt/slides/slide5.xml><?xml version="1.0" encoding="utf-8"?>
+<p:sld xmlns:a="http://schemas.openxmlformats.org/drawingml/2006/main" xmlns:r="http://schemas.openxmlformats.org/officeDocument/2006/relationships" xmlns:p="http://schemas.openxmlformats.org/presentationml/2006/main">
+  <p:cSld>
+    <p:spTree>
+      <p:nvGrpSpPr>
+        <p:cNvPr id="1" name="">
+          <a:extLst>
+            <a:ext uri="{FF2B5EF4-FFF2-40B4-BE49-F238E27FC236}">
+              <a16:creationId xmlns:a16="http://schemas.microsoft.com/office/drawing/2014/main" id="{9D5319EE-B4A1-7CA6-3199-E7F8354E373E}"/>
+            </a:ext>
+          </a:extLst>
+        </p:cNvPr>
+        <p:cNvGrpSpPr/>
+        <p:nvPr/>
+      </p:nvGrpSpPr>
+      <p:grpSpPr>
+        <a:xfrm>
+          <a:off x="0" y="0"/>
+          <a:ext cx="0" cy="0"/>
+          <a:chOff x="0" y="0"/>
+          <a:chExt cx="0" cy="0"/>
+        </a:xfrm>
+      </p:grpSpPr>
+      <p:grpSp>
+        <p:nvGrpSpPr>
+          <p:cNvPr id="74" name="그룹 73">
+            <a:extLst>
+              <a:ext uri="{FF2B5EF4-FFF2-40B4-BE49-F238E27FC236}">
+                <a16:creationId xmlns:a16="http://schemas.microsoft.com/office/drawing/2014/main" id="{A5820C37-5ED8-D7EC-FBF4-11E175DB750A}"/>
+              </a:ext>
+            </a:extLst>
+          </p:cNvPr>
+          <p:cNvGrpSpPr/>
+          <p:nvPr/>
+        </p:nvGrpSpPr>
+        <p:grpSpPr>
+          <a:xfrm>
+            <a:off x="-171450" y="-342900"/>
+            <a:ext cx="11982450" cy="12134850"/>
+            <a:chOff x="-171450" y="-342900"/>
+            <a:chExt cx="11982450" cy="12134850"/>
+          </a:xfrm>
+        </p:grpSpPr>
+        <p:sp>
+          <p:nvSpPr>
+            <p:cNvPr id="72" name="직사각형 71">
+              <a:extLst>
+                <a:ext uri="{FF2B5EF4-FFF2-40B4-BE49-F238E27FC236}">
+                  <a16:creationId xmlns:a16="http://schemas.microsoft.com/office/drawing/2014/main" id="{F6FE4CFA-1A3D-DA8D-2E64-3FCEC0776F95}"/>
+                </a:ext>
+              </a:extLst>
+            </p:cNvPr>
+            <p:cNvSpPr/>
+            <p:nvPr/>
+          </p:nvSpPr>
+          <p:spPr>
+            <a:xfrm>
+              <a:off x="-171450" y="-342900"/>
+              <a:ext cx="11982450" cy="12134850"/>
+            </a:xfrm>
+            <a:prstGeom prst="rect">
+              <a:avLst/>
+            </a:prstGeom>
+            <a:solidFill>
+              <a:schemeClr val="bg1"/>
+            </a:solidFill>
+          </p:spPr>
+          <p:style>
+            <a:lnRef idx="2">
+              <a:schemeClr val="accent1">
+                <a:shade val="15000"/>
+              </a:schemeClr>
+            </a:lnRef>
+            <a:fillRef idx="1">
+              <a:schemeClr val="accent1"/>
+            </a:fillRef>
+            <a:effectRef idx="0">
+              <a:schemeClr val="accent1"/>
+            </a:effectRef>
+            <a:fontRef idx="minor">
+              <a:schemeClr val="lt1"/>
+            </a:fontRef>
+          </p:style>
+          <p:txBody>
+            <a:bodyPr rtlCol="0" anchor="ctr"/>
+            <a:lstStyle/>
+            <a:p>
+              <a:pPr algn="ctr"/>
+              <a:endParaRPr lang="ko-KR" altLang="en-US" dirty="0"/>
+            </a:p>
+          </p:txBody>
+        </p:sp>
+        <p:sp>
+          <p:nvSpPr>
+            <p:cNvPr id="71" name="TextBox 70">
+              <a:extLst>
+                <a:ext uri="{FF2B5EF4-FFF2-40B4-BE49-F238E27FC236}">
+                  <a16:creationId xmlns:a16="http://schemas.microsoft.com/office/drawing/2014/main" id="{3941A3C8-30F7-2C57-C194-FCE1C3BD340A}"/>
+                </a:ext>
+              </a:extLst>
+            </p:cNvPr>
+            <p:cNvSpPr txBox="1"/>
+            <p:nvPr/>
+          </p:nvSpPr>
+          <p:spPr>
+            <a:xfrm>
+              <a:off x="182270" y="6852331"/>
+              <a:ext cx="11424934" cy="3539430"/>
+            </a:xfrm>
+            <a:prstGeom prst="rect">
+              <a:avLst/>
+            </a:prstGeom>
+            <a:noFill/>
+          </p:spPr>
+          <p:txBody>
+            <a:bodyPr wrap="square">
+              <a:spAutoFit/>
+            </a:bodyPr>
+            <a:lstStyle/>
+            <a:p>
+              <a:r>
+                <a:rPr lang="en-US" altLang="ko-KR" sz="1600" b="1" dirty="0">
+                  <a:latin typeface="+mj-ea"/>
+                  <a:ea typeface="+mj-ea"/>
+                </a:rPr>
+                <a:t>9112</a:t>
+              </a:r>
+              <a:r>
+                <a:rPr lang="ko-KR" altLang="en-US" sz="1600" b="1" dirty="0">
+                  <a:latin typeface="+mj-ea"/>
+                  <a:ea typeface="+mj-ea"/>
+                </a:rPr>
+                <a:t>개의 논문에서 추출한 캡션 통계 분석</a:t>
+              </a:r>
+              <a:r>
+                <a:rPr lang="en-US" altLang="ko-KR" sz="1600" b="1" dirty="0">
+                  <a:latin typeface="+mj-ea"/>
+                  <a:ea typeface="+mj-ea"/>
+                </a:rPr>
+                <a:t>.</a:t>
+              </a:r>
+            </a:p>
+            <a:p>
+              <a:pPr marL="342900" indent="-342900">
+                <a:buAutoNum type="arabicPeriod"/>
+              </a:pPr>
+              <a:r>
+                <a:rPr lang="ko-KR" altLang="en-US" sz="1600" b="1" dirty="0">
+                  <a:latin typeface="+mj-ea"/>
+                  <a:ea typeface="+mj-ea"/>
+                </a:rPr>
+                <a:t>논문당 캡션 개수 히스토그램</a:t>
+              </a:r>
+              <a:r>
+                <a:rPr lang="en-US" altLang="ko-KR" sz="1600" b="1" dirty="0">
+                  <a:latin typeface="+mj-ea"/>
+                  <a:ea typeface="+mj-ea"/>
+                </a:rPr>
+                <a:t> </a:t>
+              </a:r>
+            </a:p>
+            <a:p>
+              <a:pPr marL="800100" lvl="1" indent="-342900">
+                <a:buFont typeface="Arial" panose="020B0604020202020204" pitchFamily="34" charset="0"/>
+                <a:buChar char="•"/>
+              </a:pPr>
+              <a:r>
+                <a:rPr lang="en-US" altLang="ko-KR" sz="1600" dirty="0">
+                  <a:latin typeface="+mj-ea"/>
+                </a:rPr>
+                <a:t>9112</a:t>
+              </a:r>
+              <a:r>
+                <a:rPr lang="ko-KR" altLang="en-US" sz="1600" dirty="0">
+                  <a:latin typeface="+mj-ea"/>
+                </a:rPr>
+                <a:t>개 논문에서 발췌된 총 캡션 개수 </a:t>
+              </a:r>
+              <a:r>
+                <a:rPr lang="en-US" altLang="ko-KR" sz="1600" dirty="0">
+                  <a:latin typeface="+mj-ea"/>
+                </a:rPr>
+                <a:t>== 13</a:t>
+              </a:r>
+              <a:r>
+                <a:rPr lang="ko-KR" altLang="en-US" sz="1600" dirty="0">
+                  <a:latin typeface="+mj-ea"/>
+                </a:rPr>
+                <a:t>만 </a:t>
+              </a:r>
+              <a:r>
+                <a:rPr lang="en-US" altLang="ko-KR" sz="1600" dirty="0">
+                  <a:latin typeface="+mj-ea"/>
+                </a:rPr>
+                <a:t>7978</a:t>
+              </a:r>
+              <a:r>
+                <a:rPr lang="ko-KR" altLang="en-US" sz="1600" dirty="0">
+                  <a:latin typeface="+mj-ea"/>
+                </a:rPr>
+                <a:t>개</a:t>
+              </a:r>
+              <a:endParaRPr lang="en-US" altLang="ko-KR" sz="1600" dirty="0">
+                <a:latin typeface="+mj-ea"/>
+              </a:endParaRPr>
+            </a:p>
+            <a:p>
+              <a:pPr marL="800100" lvl="1" indent="-342900">
+                <a:buFont typeface="Arial" panose="020B0604020202020204" pitchFamily="34" charset="0"/>
+                <a:buChar char="•"/>
+              </a:pPr>
+              <a:r>
+                <a:rPr lang="ko-KR" altLang="en-US" sz="1600" dirty="0">
+                  <a:latin typeface="+mj-ea"/>
+                  <a:ea typeface="+mj-ea"/>
+                </a:rPr>
+                <a:t>논문당 캡션 통계</a:t>
+              </a:r>
+              <a:endParaRPr lang="en-US" altLang="ko-KR" sz="1600" dirty="0">
+                <a:latin typeface="+mj-ea"/>
+                <a:ea typeface="+mj-ea"/>
+              </a:endParaRPr>
+            </a:p>
+            <a:p>
+              <a:pPr marL="1257300" lvl="2" indent="-342900">
+                <a:buFont typeface="Arial" panose="020B0604020202020204" pitchFamily="34" charset="0"/>
+                <a:buChar char="•"/>
+              </a:pPr>
+              <a:r>
+                <a:rPr lang="ko-KR" altLang="en-US" sz="1600" dirty="0">
+                  <a:latin typeface="+mj-ea"/>
+                  <a:ea typeface="+mj-ea"/>
+                </a:rPr>
+                <a:t>평균 </a:t>
+              </a:r>
+              <a:r>
+                <a:rPr lang="en-US" altLang="ko-KR" sz="1600" dirty="0">
+                  <a:latin typeface="+mj-ea"/>
+                  <a:ea typeface="+mj-ea"/>
+                </a:rPr>
+                <a:t>: 15.14</a:t>
+              </a:r>
+              <a:r>
+                <a:rPr lang="ko-KR" altLang="en-US" sz="1600" dirty="0">
+                  <a:latin typeface="+mj-ea"/>
+                  <a:ea typeface="+mj-ea"/>
+                </a:rPr>
+                <a:t>개</a:t>
+              </a:r>
+              <a:endParaRPr lang="en-US" altLang="ko-KR" sz="1600" dirty="0">
+                <a:latin typeface="+mj-ea"/>
+                <a:ea typeface="+mj-ea"/>
+              </a:endParaRPr>
+            </a:p>
+            <a:p>
+              <a:pPr marL="1257300" lvl="2" indent="-342900">
+                <a:buFont typeface="Arial" panose="020B0604020202020204" pitchFamily="34" charset="0"/>
+                <a:buChar char="•"/>
+              </a:pPr>
+              <a:r>
+                <a:rPr lang="ko-KR" altLang="en-US" sz="1600" dirty="0">
+                  <a:latin typeface="+mj-ea"/>
+                  <a:ea typeface="+mj-ea"/>
+                </a:rPr>
+                <a:t>중앙값 </a:t>
+              </a:r>
+              <a:r>
+                <a:rPr lang="en-US" altLang="ko-KR" sz="1600" dirty="0">
+                  <a:latin typeface="+mj-ea"/>
+                  <a:ea typeface="+mj-ea"/>
+                </a:rPr>
+                <a:t>: 14.71</a:t>
+              </a:r>
+              <a:r>
+                <a:rPr lang="ko-KR" altLang="en-US" sz="1600" dirty="0">
+                  <a:latin typeface="+mj-ea"/>
+                  <a:ea typeface="+mj-ea"/>
+                </a:rPr>
+                <a:t>개</a:t>
+              </a:r>
+              <a:endParaRPr lang="en-US" altLang="ko-KR" sz="1600" dirty="0">
+                <a:latin typeface="+mj-ea"/>
+                <a:ea typeface="+mj-ea"/>
+              </a:endParaRPr>
+            </a:p>
+            <a:p>
+              <a:pPr marL="1257300" lvl="2" indent="-342900">
+                <a:buFont typeface="Arial" panose="020B0604020202020204" pitchFamily="34" charset="0"/>
+                <a:buChar char="•"/>
+              </a:pPr>
+              <a:endParaRPr lang="en-US" altLang="ko-KR" sz="1600" b="1" dirty="0">
+                <a:latin typeface="+mj-ea"/>
+                <a:ea typeface="+mj-ea"/>
+              </a:endParaRPr>
+            </a:p>
+            <a:p>
+              <a:pPr marL="1257300" lvl="2" indent="-342900">
+                <a:buFont typeface="Arial" panose="020B0604020202020204" pitchFamily="34" charset="0"/>
+                <a:buChar char="•"/>
+              </a:pPr>
+              <a:endParaRPr lang="en-US" altLang="ko-KR" sz="1600" b="1" dirty="0">
+                <a:latin typeface="+mj-ea"/>
+                <a:ea typeface="+mj-ea"/>
+              </a:endParaRPr>
+            </a:p>
+            <a:p>
+              <a:pPr marL="1257300" lvl="2" indent="-342900">
+                <a:buFont typeface="Arial" panose="020B0604020202020204" pitchFamily="34" charset="0"/>
+                <a:buChar char="•"/>
+              </a:pPr>
+              <a:endParaRPr lang="en-US" altLang="ko-KR" sz="1600" b="1" dirty="0">
+                <a:latin typeface="+mj-ea"/>
+                <a:ea typeface="+mj-ea"/>
+              </a:endParaRPr>
+            </a:p>
+            <a:p>
+              <a:pPr marL="342900" indent="-342900">
+                <a:buAutoNum type="arabicPeriod"/>
+              </a:pPr>
+              <a:r>
+                <a:rPr lang="ko-KR" altLang="en-US" sz="1600" b="1" dirty="0">
+                  <a:latin typeface="+mj-ea"/>
+                  <a:ea typeface="+mj-ea"/>
+                </a:rPr>
+                <a:t>캡션 별 문자 개수 히스토그램</a:t>
+              </a:r>
+              <a:endParaRPr lang="en-US" altLang="ko-KR" sz="1600" b="1" dirty="0">
+                <a:latin typeface="+mj-ea"/>
+                <a:ea typeface="+mj-ea"/>
+              </a:endParaRPr>
+            </a:p>
+            <a:p>
+              <a:pPr marL="800100" lvl="1" indent="-342900">
+                <a:buFont typeface="Arial" panose="020B0604020202020204" pitchFamily="34" charset="0"/>
+                <a:buChar char="•"/>
+              </a:pPr>
+              <a:r>
+                <a:rPr lang="ko-KR" altLang="en-US" sz="1600" dirty="0">
+                  <a:latin typeface="+mj-ea"/>
+                  <a:ea typeface="+mj-ea"/>
+                </a:rPr>
+                <a:t>캡션당 문자 통계</a:t>
+              </a:r>
+              <a:endParaRPr lang="en-US" altLang="ko-KR" sz="1600" dirty="0">
+                <a:latin typeface="+mj-ea"/>
+                <a:ea typeface="+mj-ea"/>
+              </a:endParaRPr>
+            </a:p>
+            <a:p>
+              <a:pPr marL="1257300" lvl="2" indent="-342900">
+                <a:buFont typeface="Arial" panose="020B0604020202020204" pitchFamily="34" charset="0"/>
+                <a:buChar char="•"/>
+              </a:pPr>
+              <a:r>
+                <a:rPr lang="ko-KR" altLang="en-US" sz="1600" dirty="0">
+                  <a:latin typeface="+mj-ea"/>
+                  <a:ea typeface="+mj-ea"/>
+                </a:rPr>
+                <a:t>평균 문자 수</a:t>
+              </a:r>
+              <a:r>
+                <a:rPr lang="en-US" altLang="ko-KR" sz="1600" dirty="0">
+                  <a:latin typeface="+mj-ea"/>
+                  <a:ea typeface="+mj-ea"/>
+                </a:rPr>
+                <a:t>: 171.06</a:t>
+              </a:r>
+              <a:r>
+                <a:rPr lang="ko-KR" altLang="en-US" sz="1600" dirty="0">
+                  <a:latin typeface="+mj-ea"/>
+                  <a:ea typeface="+mj-ea"/>
+                </a:rPr>
+                <a:t>문자</a:t>
+              </a:r>
+              <a:endParaRPr lang="en-US" altLang="ko-KR" sz="1600" dirty="0">
+                <a:latin typeface="+mj-ea"/>
+                <a:ea typeface="+mj-ea"/>
+              </a:endParaRPr>
+            </a:p>
+            <a:p>
+              <a:pPr marL="1257300" lvl="2" indent="-342900">
+                <a:buFont typeface="Arial" panose="020B0604020202020204" pitchFamily="34" charset="0"/>
+                <a:buChar char="•"/>
+              </a:pPr>
+              <a:r>
+                <a:rPr lang="ko-KR" altLang="en-US" sz="1600" dirty="0">
+                  <a:latin typeface="+mj-ea"/>
+                  <a:ea typeface="+mj-ea"/>
+                </a:rPr>
+                <a:t>최대 길이 캡션 </a:t>
+              </a:r>
+              <a:r>
+                <a:rPr lang="en-US" altLang="ko-KR" sz="1600" dirty="0">
+                  <a:latin typeface="+mj-ea"/>
+                  <a:ea typeface="+mj-ea"/>
+                </a:rPr>
+                <a:t>: 13632</a:t>
+              </a:r>
+              <a:r>
+                <a:rPr lang="ko-KR" altLang="en-US" sz="1600" dirty="0">
+                  <a:latin typeface="+mj-ea"/>
+                  <a:ea typeface="+mj-ea"/>
+                </a:rPr>
+                <a:t>문자</a:t>
+              </a:r>
+              <a:br>
+                <a:rPr lang="en-US" altLang="ko-KR" sz="1600" dirty="0">
+                  <a:latin typeface="+mj-ea"/>
+                  <a:ea typeface="+mj-ea"/>
+                </a:rPr>
+              </a:br>
+              <a:r>
+                <a:rPr lang="en-US" altLang="ko-KR" sz="1600" dirty="0">
+                  <a:latin typeface="+mj-ea"/>
+                  <a:ea typeface="+mj-ea"/>
+                </a:rPr>
+                <a:t>(1000</a:t>
+              </a:r>
+              <a:r>
+                <a:rPr lang="ko-KR" altLang="en-US" sz="1600" dirty="0">
+                  <a:latin typeface="+mj-ea"/>
+                  <a:ea typeface="+mj-ea"/>
+                </a:rPr>
+                <a:t>자 이상 캡션은 이상치로 제거 요망</a:t>
+              </a:r>
+              <a:r>
+                <a:rPr lang="en-US" altLang="ko-KR" sz="1600" dirty="0">
+                  <a:latin typeface="+mj-ea"/>
+                  <a:ea typeface="+mj-ea"/>
+                </a:rPr>
+                <a:t>)</a:t>
+              </a:r>
+            </a:p>
+          </p:txBody>
+        </p:sp>
+        <p:sp>
+          <p:nvSpPr>
+            <p:cNvPr id="2" name="TextBox 1">
+              <a:extLst>
+                <a:ext uri="{FF2B5EF4-FFF2-40B4-BE49-F238E27FC236}">
+                  <a16:creationId xmlns:a16="http://schemas.microsoft.com/office/drawing/2014/main" id="{7D778141-C117-C8B9-8240-3826A7BAAA33}"/>
+                </a:ext>
+              </a:extLst>
+            </p:cNvPr>
+            <p:cNvSpPr txBox="1"/>
+            <p:nvPr/>
+          </p:nvSpPr>
+          <p:spPr>
+            <a:xfrm>
+              <a:off x="-4652" y="539415"/>
+              <a:ext cx="910731" cy="338554"/>
+            </a:xfrm>
+            <a:prstGeom prst="rect">
+              <a:avLst/>
+            </a:prstGeom>
+            <a:noFill/>
+          </p:spPr>
+          <p:txBody>
+            <a:bodyPr wrap="square" rtlCol="0">
+              <a:spAutoFit/>
+            </a:bodyPr>
+            <a:lstStyle/>
+            <a:p>
+              <a:pPr algn="ctr"/>
+              <a:r>
+                <a:rPr lang="en-US" altLang="ko-KR" sz="1600" b="1" dirty="0">
+                  <a:latin typeface="+mj-ea"/>
+                  <a:ea typeface="+mj-ea"/>
+                </a:rPr>
+                <a:t>9702</a:t>
+              </a:r>
+              <a:r>
+                <a:rPr lang="ko-KR" altLang="en-US" sz="1600" b="1" dirty="0">
+                  <a:latin typeface="+mj-ea"/>
+                  <a:ea typeface="+mj-ea"/>
+                </a:rPr>
+                <a:t>개</a:t>
+              </a:r>
+            </a:p>
+          </p:txBody>
+        </p:sp>
+        <p:sp>
+          <p:nvSpPr>
+            <p:cNvPr id="4" name="TextBox 3">
+              <a:extLst>
+                <a:ext uri="{FF2B5EF4-FFF2-40B4-BE49-F238E27FC236}">
+                  <a16:creationId xmlns:a16="http://schemas.microsoft.com/office/drawing/2014/main" id="{6403A8F0-BAA9-8571-17B8-F0529DB830AC}"/>
+                </a:ext>
+              </a:extLst>
+            </p:cNvPr>
+            <p:cNvSpPr txBox="1"/>
+            <p:nvPr/>
+          </p:nvSpPr>
+          <p:spPr>
+            <a:xfrm>
+              <a:off x="1182255" y="421090"/>
+              <a:ext cx="1952231" cy="584775"/>
+            </a:xfrm>
+            <a:prstGeom prst="rect">
+              <a:avLst/>
+            </a:prstGeom>
+            <a:solidFill>
+              <a:schemeClr val="tx2">
+                <a:lumMod val="25000"/>
+                <a:lumOff val="75000"/>
+              </a:schemeClr>
+            </a:solidFill>
+          </p:spPr>
+          <p:txBody>
+            <a:bodyPr wrap="square" rtlCol="0">
+              <a:spAutoFit/>
+            </a:bodyPr>
+            <a:lstStyle/>
+            <a:p>
+              <a:pPr algn="ctr"/>
+              <a:r>
+                <a:rPr lang="en-US" altLang="ko-KR" sz="1600" b="1" dirty="0">
+                  <a:latin typeface="+mj-ea"/>
+                  <a:ea typeface="+mj-ea"/>
+                </a:rPr>
+                <a:t>Purchase pdf</a:t>
+              </a:r>
+              <a:r>
+                <a:rPr lang="ko-KR" altLang="en-US" sz="1600" b="1" dirty="0">
+                  <a:latin typeface="+mj-ea"/>
+                  <a:ea typeface="+mj-ea"/>
+                </a:rPr>
+                <a:t>는</a:t>
+              </a:r>
+              <a:endParaRPr lang="en-US" altLang="ko-KR" sz="1600" b="1" dirty="0">
+                <a:latin typeface="+mj-ea"/>
+                <a:ea typeface="+mj-ea"/>
+              </a:endParaRPr>
+            </a:p>
+            <a:p>
+              <a:pPr algn="ctr"/>
+              <a:r>
+                <a:rPr lang="en-US" altLang="ko-KR" sz="1600" b="1" dirty="0">
+                  <a:latin typeface="+mj-ea"/>
+                  <a:ea typeface="+mj-ea"/>
+                </a:rPr>
+                <a:t>Full Text </a:t>
+              </a:r>
+              <a:r>
+                <a:rPr lang="ko-KR" altLang="en-US" sz="1600" b="1" dirty="0">
+                  <a:latin typeface="+mj-ea"/>
+                  <a:ea typeface="+mj-ea"/>
+                </a:rPr>
+                <a:t>불가</a:t>
+              </a:r>
+            </a:p>
+          </p:txBody>
+        </p:sp>
+        <p:sp>
+          <p:nvSpPr>
+            <p:cNvPr id="5" name="TextBox 4">
+              <a:extLst>
+                <a:ext uri="{FF2B5EF4-FFF2-40B4-BE49-F238E27FC236}">
+                  <a16:creationId xmlns:a16="http://schemas.microsoft.com/office/drawing/2014/main" id="{142E1457-578D-ABE0-BD1F-980B1EF5A98B}"/>
+                </a:ext>
+              </a:extLst>
+            </p:cNvPr>
+            <p:cNvSpPr txBox="1"/>
+            <p:nvPr/>
+          </p:nvSpPr>
+          <p:spPr>
+            <a:xfrm>
+              <a:off x="1182255" y="968581"/>
+              <a:ext cx="1952231" cy="338554"/>
+            </a:xfrm>
+            <a:prstGeom prst="rect">
+              <a:avLst/>
+            </a:prstGeom>
+            <a:noFill/>
+          </p:spPr>
+          <p:txBody>
+            <a:bodyPr wrap="square" rtlCol="0">
+              <a:spAutoFit/>
+            </a:bodyPr>
+            <a:lstStyle/>
+            <a:p>
+              <a:pPr algn="ctr"/>
+              <a:r>
+                <a:rPr lang="en-US" altLang="ko-KR" sz="1600" b="1" dirty="0">
+                  <a:solidFill>
+                    <a:srgbClr val="FF0000"/>
+                  </a:solidFill>
+                  <a:latin typeface="+mj-ea"/>
+                  <a:ea typeface="+mj-ea"/>
+                </a:rPr>
+                <a:t>37</a:t>
+              </a:r>
+              <a:r>
+                <a:rPr lang="ko-KR" altLang="en-US" sz="1600" b="1" dirty="0">
+                  <a:solidFill>
+                    <a:srgbClr val="FF0000"/>
+                  </a:solidFill>
+                  <a:latin typeface="+mj-ea"/>
+                  <a:ea typeface="+mj-ea"/>
+                </a:rPr>
+                <a:t>개 제거</a:t>
+              </a:r>
+            </a:p>
+          </p:txBody>
+        </p:sp>
+        <p:sp>
+          <p:nvSpPr>
+            <p:cNvPr id="7" name="TextBox 6">
+              <a:extLst>
+                <a:ext uri="{FF2B5EF4-FFF2-40B4-BE49-F238E27FC236}">
+                  <a16:creationId xmlns:a16="http://schemas.microsoft.com/office/drawing/2014/main" id="{91734F56-F0A0-4580-6486-707B05F9CE19}"/>
+                </a:ext>
+              </a:extLst>
+            </p:cNvPr>
+            <p:cNvSpPr txBox="1"/>
+            <p:nvPr/>
+          </p:nvSpPr>
+          <p:spPr>
+            <a:xfrm>
+              <a:off x="3400826" y="539415"/>
+              <a:ext cx="1001804" cy="338554"/>
+            </a:xfrm>
+            <a:prstGeom prst="rect">
+              <a:avLst/>
+            </a:prstGeom>
+            <a:noFill/>
+          </p:spPr>
+          <p:txBody>
+            <a:bodyPr wrap="square" rtlCol="0">
+              <a:spAutoFit/>
+            </a:bodyPr>
+            <a:lstStyle/>
+            <a:p>
+              <a:pPr algn="ctr"/>
+              <a:r>
+                <a:rPr lang="en-US" altLang="ko-KR" sz="1600" b="1" dirty="0">
+                  <a:latin typeface="+mj-ea"/>
+                  <a:ea typeface="+mj-ea"/>
+                </a:rPr>
+                <a:t>9665</a:t>
+              </a:r>
+              <a:r>
+                <a:rPr lang="ko-KR" altLang="en-US" sz="1600" b="1" dirty="0">
+                  <a:latin typeface="+mj-ea"/>
+                  <a:ea typeface="+mj-ea"/>
+                </a:rPr>
+                <a:t>개</a:t>
+              </a:r>
+            </a:p>
+          </p:txBody>
+        </p:sp>
+        <p:sp>
+          <p:nvSpPr>
+            <p:cNvPr id="8" name="TextBox 7">
+              <a:extLst>
+                <a:ext uri="{FF2B5EF4-FFF2-40B4-BE49-F238E27FC236}">
+                  <a16:creationId xmlns:a16="http://schemas.microsoft.com/office/drawing/2014/main" id="{AC778C6F-38B9-7E48-F95F-55EEC6848A24}"/>
+                </a:ext>
+              </a:extLst>
+            </p:cNvPr>
+            <p:cNvSpPr txBox="1"/>
+            <p:nvPr/>
+          </p:nvSpPr>
+          <p:spPr>
+            <a:xfrm>
+              <a:off x="4668970" y="421090"/>
+              <a:ext cx="1952231" cy="584775"/>
+            </a:xfrm>
+            <a:prstGeom prst="rect">
+              <a:avLst/>
+            </a:prstGeom>
+            <a:solidFill>
+              <a:schemeClr val="accent5">
+                <a:lumMod val="40000"/>
+                <a:lumOff val="60000"/>
+              </a:schemeClr>
+            </a:solidFill>
+          </p:spPr>
+          <p:txBody>
+            <a:bodyPr wrap="square" rtlCol="0">
+              <a:spAutoFit/>
+            </a:bodyPr>
+            <a:lstStyle/>
+            <a:p>
+              <a:pPr algn="ctr"/>
+              <a:r>
+                <a:rPr lang="en-US" altLang="ko-KR" sz="1600" b="1" dirty="0">
+                  <a:latin typeface="+mj-ea"/>
+                  <a:ea typeface="+mj-ea"/>
+                </a:rPr>
+                <a:t>Raw Text</a:t>
+              </a:r>
+            </a:p>
+            <a:p>
+              <a:pPr algn="ctr"/>
+              <a:r>
+                <a:rPr lang="en-US" altLang="ko-KR" sz="1600" b="1" dirty="0">
+                  <a:latin typeface="+mj-ea"/>
+                  <a:ea typeface="+mj-ea"/>
+                </a:rPr>
+                <a:t>Tag </a:t>
+              </a:r>
+              <a:r>
+                <a:rPr lang="ko-KR" altLang="en-US" sz="1600" b="1" dirty="0">
+                  <a:latin typeface="+mj-ea"/>
+                  <a:ea typeface="+mj-ea"/>
+                </a:rPr>
+                <a:t>식별 및 제거</a:t>
+              </a:r>
+            </a:p>
+          </p:txBody>
+        </p:sp>
+        <p:sp>
+          <p:nvSpPr>
+            <p:cNvPr id="11" name="TextBox 10">
+              <a:extLst>
+                <a:ext uri="{FF2B5EF4-FFF2-40B4-BE49-F238E27FC236}">
+                  <a16:creationId xmlns:a16="http://schemas.microsoft.com/office/drawing/2014/main" id="{63FC9CAC-5230-DC36-A24E-E5CDFE43C343}"/>
+                </a:ext>
+              </a:extLst>
+            </p:cNvPr>
+            <p:cNvSpPr txBox="1"/>
+            <p:nvPr/>
+          </p:nvSpPr>
+          <p:spPr>
+            <a:xfrm>
+              <a:off x="6144389" y="1121197"/>
+              <a:ext cx="1952231" cy="338554"/>
+            </a:xfrm>
+            <a:prstGeom prst="rect">
+              <a:avLst/>
+            </a:prstGeom>
+            <a:solidFill>
+              <a:schemeClr val="accent2">
+                <a:lumMod val="40000"/>
+                <a:lumOff val="60000"/>
+              </a:schemeClr>
+            </a:solidFill>
+          </p:spPr>
+          <p:txBody>
+            <a:bodyPr wrap="square" rtlCol="0">
+              <a:spAutoFit/>
+            </a:bodyPr>
+            <a:lstStyle/>
+            <a:p>
+              <a:pPr algn="ctr"/>
+              <a:r>
+                <a:rPr lang="en-US" altLang="ko-KR" sz="1600" b="1" dirty="0">
+                  <a:latin typeface="+mj-ea"/>
+                </a:rPr>
+                <a:t>Raw Text? </a:t>
+              </a:r>
+              <a:r>
+                <a:rPr lang="en-US" altLang="ko-KR" sz="1600" b="1" dirty="0">
+                  <a:latin typeface="+mj-ea"/>
+                  <a:ea typeface="+mj-ea"/>
+                </a:rPr>
+                <a:t>Yes</a:t>
+              </a:r>
+              <a:endParaRPr lang="ko-KR" altLang="en-US" sz="1600" b="1" dirty="0">
+                <a:latin typeface="+mj-ea"/>
+                <a:ea typeface="+mj-ea"/>
+              </a:endParaRPr>
+            </a:p>
+          </p:txBody>
+        </p:sp>
+        <p:sp>
+          <p:nvSpPr>
+            <p:cNvPr id="12" name="TextBox 11">
+              <a:extLst>
+                <a:ext uri="{FF2B5EF4-FFF2-40B4-BE49-F238E27FC236}">
+                  <a16:creationId xmlns:a16="http://schemas.microsoft.com/office/drawing/2014/main" id="{083BEF14-E61A-864F-78AC-A55512B74C13}"/>
+                </a:ext>
+              </a:extLst>
+            </p:cNvPr>
+            <p:cNvSpPr txBox="1"/>
+            <p:nvPr/>
+          </p:nvSpPr>
+          <p:spPr>
+            <a:xfrm>
+              <a:off x="6144389" y="2104810"/>
+              <a:ext cx="1952231" cy="338554"/>
+            </a:xfrm>
+            <a:prstGeom prst="rect">
+              <a:avLst/>
+            </a:prstGeom>
+            <a:solidFill>
+              <a:schemeClr val="accent2">
+                <a:lumMod val="40000"/>
+                <a:lumOff val="60000"/>
+              </a:schemeClr>
+            </a:solidFill>
+          </p:spPr>
+          <p:txBody>
+            <a:bodyPr wrap="square" rtlCol="0">
+              <a:spAutoFit/>
+            </a:bodyPr>
+            <a:lstStyle/>
+            <a:p>
+              <a:pPr algn="ctr"/>
+              <a:r>
+                <a:rPr lang="en-US" altLang="ko-KR" sz="1600" b="1" dirty="0">
+                  <a:latin typeface="+mj-ea"/>
+                  <a:ea typeface="+mj-ea"/>
+                </a:rPr>
+                <a:t>Raw Text? No</a:t>
+              </a:r>
+              <a:endParaRPr lang="ko-KR" altLang="en-US" sz="1600" b="1" dirty="0">
+                <a:latin typeface="+mj-ea"/>
+                <a:ea typeface="+mj-ea"/>
+              </a:endParaRPr>
+            </a:p>
+          </p:txBody>
+        </p:sp>
+        <p:sp>
+          <p:nvSpPr>
+            <p:cNvPr id="16" name="TextBox 15">
+              <a:extLst>
+                <a:ext uri="{FF2B5EF4-FFF2-40B4-BE49-F238E27FC236}">
+                  <a16:creationId xmlns:a16="http://schemas.microsoft.com/office/drawing/2014/main" id="{D921C36A-DCBA-A7BB-FDC4-C8552B78CD09}"/>
+                </a:ext>
+              </a:extLst>
+            </p:cNvPr>
+            <p:cNvSpPr txBox="1"/>
+            <p:nvPr/>
+          </p:nvSpPr>
+          <p:spPr>
+            <a:xfrm>
+              <a:off x="6144389" y="1426431"/>
+              <a:ext cx="1952231" cy="338554"/>
+            </a:xfrm>
+            <a:prstGeom prst="rect">
+              <a:avLst/>
+            </a:prstGeom>
+            <a:noFill/>
+          </p:spPr>
+          <p:txBody>
+            <a:bodyPr wrap="square" rtlCol="0">
+              <a:spAutoFit/>
+            </a:bodyPr>
+            <a:lstStyle/>
+            <a:p>
+              <a:pPr algn="ctr"/>
+              <a:r>
+                <a:rPr lang="en-US" altLang="ko-KR" sz="1600" b="1" dirty="0">
+                  <a:solidFill>
+                    <a:srgbClr val="FF0000"/>
+                  </a:solidFill>
+                  <a:latin typeface="+mj-ea"/>
+                  <a:ea typeface="+mj-ea"/>
+                </a:rPr>
+                <a:t>542</a:t>
+              </a:r>
+              <a:r>
+                <a:rPr lang="ko-KR" altLang="en-US" sz="1600" b="1" dirty="0">
+                  <a:solidFill>
+                    <a:srgbClr val="FF0000"/>
+                  </a:solidFill>
+                  <a:latin typeface="+mj-ea"/>
+                  <a:ea typeface="+mj-ea"/>
+                </a:rPr>
+                <a:t>개 제거</a:t>
+              </a:r>
+            </a:p>
+          </p:txBody>
+        </p:sp>
+        <p:sp>
+          <p:nvSpPr>
+            <p:cNvPr id="17" name="TextBox 16">
+              <a:extLst>
+                <a:ext uri="{FF2B5EF4-FFF2-40B4-BE49-F238E27FC236}">
+                  <a16:creationId xmlns:a16="http://schemas.microsoft.com/office/drawing/2014/main" id="{974CEE0F-F83D-F673-A017-595650A4A36A}"/>
+                </a:ext>
+              </a:extLst>
+            </p:cNvPr>
+            <p:cNvSpPr txBox="1"/>
+            <p:nvPr/>
+          </p:nvSpPr>
+          <p:spPr>
+            <a:xfrm>
+              <a:off x="6144389" y="2410043"/>
+              <a:ext cx="1952231" cy="338554"/>
+            </a:xfrm>
+            <a:prstGeom prst="rect">
+              <a:avLst/>
+            </a:prstGeom>
+            <a:noFill/>
+          </p:spPr>
+          <p:txBody>
+            <a:bodyPr wrap="square" rtlCol="0">
+              <a:spAutoFit/>
+            </a:bodyPr>
+            <a:lstStyle/>
+            <a:p>
+              <a:pPr algn="ctr"/>
+              <a:r>
+                <a:rPr lang="en-US" altLang="ko-KR" sz="1600" b="1" dirty="0">
+                  <a:latin typeface="+mj-ea"/>
+                  <a:ea typeface="+mj-ea"/>
+                </a:rPr>
+                <a:t>9123</a:t>
+              </a:r>
+              <a:r>
+                <a:rPr lang="ko-KR" altLang="en-US" sz="1600" b="1" dirty="0">
+                  <a:latin typeface="+mj-ea"/>
+                  <a:ea typeface="+mj-ea"/>
+                </a:rPr>
+                <a:t>개</a:t>
+              </a:r>
+            </a:p>
+          </p:txBody>
+        </p:sp>
+        <p:sp>
+          <p:nvSpPr>
+            <p:cNvPr id="20" name="TextBox 19">
+              <a:extLst>
+                <a:ext uri="{FF2B5EF4-FFF2-40B4-BE49-F238E27FC236}">
+                  <a16:creationId xmlns:a16="http://schemas.microsoft.com/office/drawing/2014/main" id="{7EC603CB-0F56-71F0-1217-CE10FB58737B}"/>
+                </a:ext>
+              </a:extLst>
+            </p:cNvPr>
+            <p:cNvSpPr txBox="1"/>
+            <p:nvPr/>
+          </p:nvSpPr>
+          <p:spPr>
+            <a:xfrm>
+              <a:off x="8241318" y="2978552"/>
+              <a:ext cx="1952231" cy="338554"/>
+            </a:xfrm>
+            <a:prstGeom prst="rect">
+              <a:avLst/>
+            </a:prstGeom>
+            <a:solidFill>
+              <a:schemeClr val="accent3">
+                <a:lumMod val="40000"/>
+                <a:lumOff val="60000"/>
+              </a:schemeClr>
+            </a:solidFill>
+          </p:spPr>
+          <p:txBody>
+            <a:bodyPr wrap="square" rtlCol="0">
+              <a:spAutoFit/>
+            </a:bodyPr>
+            <a:lstStyle/>
+            <a:p>
+              <a:pPr algn="ctr"/>
+              <a:r>
+                <a:rPr lang="en-US" altLang="ko-KR" sz="1600" b="1" dirty="0">
+                  <a:latin typeface="+mj-ea"/>
+                  <a:ea typeface="+mj-ea"/>
+                </a:rPr>
+                <a:t>Caption </a:t>
+              </a:r>
+              <a:r>
+                <a:rPr lang="ko-KR" altLang="en-US" sz="1600" b="1" dirty="0">
+                  <a:latin typeface="+mj-ea"/>
+                  <a:ea typeface="+mj-ea"/>
+                </a:rPr>
+                <a:t>없음</a:t>
+              </a:r>
+            </a:p>
+          </p:txBody>
+        </p:sp>
+        <p:sp>
+          <p:nvSpPr>
+            <p:cNvPr id="21" name="TextBox 20">
+              <a:extLst>
+                <a:ext uri="{FF2B5EF4-FFF2-40B4-BE49-F238E27FC236}">
+                  <a16:creationId xmlns:a16="http://schemas.microsoft.com/office/drawing/2014/main" id="{1E16DD99-86CE-4889-47A1-564DBC4AC47F}"/>
+                </a:ext>
+              </a:extLst>
+            </p:cNvPr>
+            <p:cNvSpPr txBox="1"/>
+            <p:nvPr/>
+          </p:nvSpPr>
+          <p:spPr>
+            <a:xfrm>
+              <a:off x="8241318" y="3782663"/>
+              <a:ext cx="1952231" cy="338554"/>
+            </a:xfrm>
+            <a:prstGeom prst="rect">
+              <a:avLst/>
+            </a:prstGeom>
+            <a:solidFill>
+              <a:schemeClr val="accent3">
+                <a:lumMod val="40000"/>
+                <a:lumOff val="60000"/>
+              </a:schemeClr>
+            </a:solidFill>
+          </p:spPr>
+          <p:txBody>
+            <a:bodyPr wrap="square" rtlCol="0">
+              <a:spAutoFit/>
+            </a:bodyPr>
+            <a:lstStyle/>
+            <a:p>
+              <a:pPr algn="ctr"/>
+              <a:r>
+                <a:rPr lang="en-US" altLang="ko-KR" sz="1600" b="1" dirty="0">
+                  <a:latin typeface="+mj-ea"/>
+                  <a:ea typeface="+mj-ea"/>
+                </a:rPr>
+                <a:t>Caption </a:t>
+              </a:r>
+              <a:r>
+                <a:rPr lang="ko-KR" altLang="en-US" sz="1600" b="1" dirty="0">
+                  <a:latin typeface="+mj-ea"/>
+                  <a:ea typeface="+mj-ea"/>
+                </a:rPr>
+                <a:t>있음</a:t>
+              </a:r>
+            </a:p>
+          </p:txBody>
+        </p:sp>
+        <p:sp>
+          <p:nvSpPr>
+            <p:cNvPr id="22" name="TextBox 21">
+              <a:extLst>
+                <a:ext uri="{FF2B5EF4-FFF2-40B4-BE49-F238E27FC236}">
+                  <a16:creationId xmlns:a16="http://schemas.microsoft.com/office/drawing/2014/main" id="{4E7D01A2-96F9-38BA-9ED7-A49EA2317FC7}"/>
+                </a:ext>
+              </a:extLst>
+            </p:cNvPr>
+            <p:cNvSpPr txBox="1"/>
+            <p:nvPr/>
+          </p:nvSpPr>
+          <p:spPr>
+            <a:xfrm>
+              <a:off x="8241317" y="3307262"/>
+              <a:ext cx="1952231" cy="338554"/>
+            </a:xfrm>
+            <a:prstGeom prst="rect">
+              <a:avLst/>
+            </a:prstGeom>
+            <a:noFill/>
+          </p:spPr>
+          <p:txBody>
+            <a:bodyPr wrap="square" rtlCol="0">
+              <a:spAutoFit/>
+            </a:bodyPr>
+            <a:lstStyle/>
+            <a:p>
+              <a:pPr algn="ctr"/>
+              <a:r>
+                <a:rPr lang="en-US" altLang="ko-KR" sz="1600" b="1" dirty="0">
+                  <a:solidFill>
+                    <a:srgbClr val="FF0000"/>
+                  </a:solidFill>
+                  <a:latin typeface="+mj-ea"/>
+                  <a:ea typeface="+mj-ea"/>
+                </a:rPr>
+                <a:t>11</a:t>
+              </a:r>
+              <a:r>
+                <a:rPr lang="ko-KR" altLang="en-US" sz="1600" b="1" dirty="0">
+                  <a:solidFill>
+                    <a:srgbClr val="FF0000"/>
+                  </a:solidFill>
+                  <a:latin typeface="+mj-ea"/>
+                  <a:ea typeface="+mj-ea"/>
+                </a:rPr>
+                <a:t>개 제거</a:t>
+              </a:r>
+            </a:p>
+          </p:txBody>
+        </p:sp>
+        <p:sp>
+          <p:nvSpPr>
+            <p:cNvPr id="23" name="TextBox 22">
+              <a:extLst>
+                <a:ext uri="{FF2B5EF4-FFF2-40B4-BE49-F238E27FC236}">
+                  <a16:creationId xmlns:a16="http://schemas.microsoft.com/office/drawing/2014/main" id="{97C9E5AD-E196-C21E-E31E-D58EA6960C7A}"/>
+                </a:ext>
+              </a:extLst>
+            </p:cNvPr>
+            <p:cNvSpPr txBox="1"/>
+            <p:nvPr/>
+          </p:nvSpPr>
+          <p:spPr>
+            <a:xfrm>
+              <a:off x="8241317" y="4121217"/>
+              <a:ext cx="1952231" cy="338554"/>
+            </a:xfrm>
+            <a:prstGeom prst="rect">
+              <a:avLst/>
+            </a:prstGeom>
+            <a:noFill/>
+          </p:spPr>
+          <p:txBody>
+            <a:bodyPr wrap="square" rtlCol="0">
+              <a:spAutoFit/>
+            </a:bodyPr>
+            <a:lstStyle/>
+            <a:p>
+              <a:pPr algn="ctr"/>
+              <a:r>
+                <a:rPr lang="en-US" altLang="ko-KR" sz="1600" b="1" dirty="0">
+                  <a:latin typeface="+mj-ea"/>
+                  <a:ea typeface="+mj-ea"/>
+                </a:rPr>
+                <a:t>9112</a:t>
+              </a:r>
+              <a:r>
+                <a:rPr lang="ko-KR" altLang="en-US" sz="1600" b="1" dirty="0">
+                  <a:latin typeface="+mj-ea"/>
+                  <a:ea typeface="+mj-ea"/>
+                </a:rPr>
+                <a:t>개</a:t>
+              </a:r>
+            </a:p>
+          </p:txBody>
+        </p:sp>
+        <p:pic>
+          <p:nvPicPr>
+            <p:cNvPr id="32" name="그림 31">
+              <a:extLst>
+                <a:ext uri="{FF2B5EF4-FFF2-40B4-BE49-F238E27FC236}">
+                  <a16:creationId xmlns:a16="http://schemas.microsoft.com/office/drawing/2014/main" id="{120DBA99-84BB-C9A7-1726-63D98893C7F6}"/>
+                </a:ext>
+              </a:extLst>
+            </p:cNvPr>
+            <p:cNvPicPr>
+              <a:picLocks noChangeAspect="1"/>
+            </p:cNvPicPr>
+            <p:nvPr/>
+          </p:nvPicPr>
+          <p:blipFill>
+            <a:blip r:embed="rId2"/>
+            <a:stretch>
+              <a:fillRect/>
+            </a:stretch>
+          </p:blipFill>
+          <p:spPr>
+            <a:xfrm>
+              <a:off x="6095999" y="9264580"/>
+              <a:ext cx="4810583" cy="2374845"/>
+            </a:xfrm>
+            <a:prstGeom prst="rect">
+              <a:avLst/>
+            </a:prstGeom>
+          </p:spPr>
+        </p:pic>
+        <p:grpSp>
+          <p:nvGrpSpPr>
+            <p:cNvPr id="57" name="그룹 56">
+              <a:extLst>
+                <a:ext uri="{FF2B5EF4-FFF2-40B4-BE49-F238E27FC236}">
+                  <a16:creationId xmlns:a16="http://schemas.microsoft.com/office/drawing/2014/main" id="{58345E5C-AE86-50B0-6354-71B2C21E38C0}"/>
+                </a:ext>
+              </a:extLst>
+            </p:cNvPr>
+            <p:cNvGrpSpPr/>
+            <p:nvPr/>
+          </p:nvGrpSpPr>
+          <p:grpSpPr>
+            <a:xfrm>
+              <a:off x="6144389" y="6871033"/>
+              <a:ext cx="4810583" cy="2374845"/>
+              <a:chOff x="368334" y="2494509"/>
+              <a:chExt cx="2991922" cy="1477025"/>
+            </a:xfrm>
+          </p:grpSpPr>
+          <p:pic>
+            <p:nvPicPr>
+              <p:cNvPr id="31" name="그림 30">
+                <a:extLst>
+                  <a:ext uri="{FF2B5EF4-FFF2-40B4-BE49-F238E27FC236}">
+                    <a16:creationId xmlns:a16="http://schemas.microsoft.com/office/drawing/2014/main" id="{87826E2C-A345-7513-891F-4D7B448F5FB2}"/>
+                  </a:ext>
+                </a:extLst>
+              </p:cNvPr>
+              <p:cNvPicPr>
+                <a:picLocks noChangeAspect="1"/>
+              </p:cNvPicPr>
+              <p:nvPr/>
+            </p:nvPicPr>
+            <p:blipFill>
+              <a:blip r:embed="rId3"/>
+              <a:stretch>
+                <a:fillRect/>
+              </a:stretch>
+            </p:blipFill>
+            <p:spPr>
+              <a:xfrm>
+                <a:off x="368334" y="2494509"/>
+                <a:ext cx="2991922" cy="1477025"/>
+              </a:xfrm>
+              <a:prstGeom prst="rect">
+                <a:avLst/>
+              </a:prstGeom>
+            </p:spPr>
+          </p:pic>
+          <p:sp>
+            <p:nvSpPr>
+              <p:cNvPr id="33" name="TextBox 32">
+                <a:extLst>
+                  <a:ext uri="{FF2B5EF4-FFF2-40B4-BE49-F238E27FC236}">
+                    <a16:creationId xmlns:a16="http://schemas.microsoft.com/office/drawing/2014/main" id="{EA7539A9-428C-8C20-95FB-8922D50B4193}"/>
+                  </a:ext>
+                </a:extLst>
+              </p:cNvPr>
+              <p:cNvSpPr txBox="1"/>
+              <p:nvPr/>
+            </p:nvSpPr>
+            <p:spPr>
+              <a:xfrm>
+                <a:off x="3011041" y="3780457"/>
+                <a:ext cx="319605" cy="138499"/>
+              </a:xfrm>
+              <a:prstGeom prst="rect">
+                <a:avLst/>
+              </a:prstGeom>
+              <a:noFill/>
+            </p:spPr>
+            <p:txBody>
+              <a:bodyPr wrap="square" rtlCol="0">
+                <a:spAutoFit/>
+              </a:bodyPr>
+              <a:lstStyle/>
+              <a:p>
+                <a:pPr algn="ctr"/>
+                <a:r>
+                  <a:rPr lang="en-US" altLang="ko-KR" sz="300" b="1" dirty="0"/>
+                  <a:t>54</a:t>
+                </a:r>
+                <a:r>
+                  <a:rPr lang="ko-KR" altLang="en-US" sz="300" b="1" dirty="0"/>
+                  <a:t>이상</a:t>
+                </a:r>
+              </a:p>
+            </p:txBody>
+          </p:sp>
+        </p:grpSp>
+        <p:sp>
+          <p:nvSpPr>
+            <p:cNvPr id="34" name="TextBox 33">
+              <a:extLst>
+                <a:ext uri="{FF2B5EF4-FFF2-40B4-BE49-F238E27FC236}">
+                  <a16:creationId xmlns:a16="http://schemas.microsoft.com/office/drawing/2014/main" id="{28557DB3-1B85-6E80-2569-10CFE49A3B4D}"/>
+                </a:ext>
+              </a:extLst>
+            </p:cNvPr>
+            <p:cNvSpPr txBox="1"/>
+            <p:nvPr/>
+          </p:nvSpPr>
+          <p:spPr>
+            <a:xfrm>
+              <a:off x="1146746" y="10307217"/>
+              <a:ext cx="319605" cy="184666"/>
+            </a:xfrm>
+            <a:prstGeom prst="rect">
+              <a:avLst/>
+            </a:prstGeom>
+            <a:noFill/>
+          </p:spPr>
+          <p:txBody>
+            <a:bodyPr wrap="square" rtlCol="0">
+              <a:spAutoFit/>
+            </a:bodyPr>
+            <a:lstStyle/>
+            <a:p>
+              <a:pPr algn="ctr"/>
+              <a:r>
+                <a:rPr lang="en-US" altLang="ko-KR" sz="300" b="1" dirty="0"/>
+                <a:t>1000</a:t>
+              </a:r>
+              <a:r>
+                <a:rPr lang="ko-KR" altLang="en-US" sz="300" b="1" dirty="0"/>
+                <a:t>이상</a:t>
+              </a:r>
+            </a:p>
+          </p:txBody>
+        </p:sp>
+        <p:sp>
+          <p:nvSpPr>
+            <p:cNvPr id="38" name="TextBox 37">
+              <a:extLst>
+                <a:ext uri="{FF2B5EF4-FFF2-40B4-BE49-F238E27FC236}">
+                  <a16:creationId xmlns:a16="http://schemas.microsoft.com/office/drawing/2014/main" id="{5F29FA5B-1582-EB75-D6A6-019F992C8140}"/>
+                </a:ext>
+              </a:extLst>
+            </p:cNvPr>
+            <p:cNvSpPr txBox="1"/>
+            <p:nvPr/>
+          </p:nvSpPr>
+          <p:spPr>
+            <a:xfrm>
+              <a:off x="182270" y="4944195"/>
+              <a:ext cx="11424934" cy="1815882"/>
+            </a:xfrm>
+            <a:prstGeom prst="rect">
+              <a:avLst/>
+            </a:prstGeom>
+            <a:noFill/>
+          </p:spPr>
+          <p:txBody>
+            <a:bodyPr wrap="square">
+              <a:spAutoFit/>
+            </a:bodyPr>
+            <a:lstStyle/>
+            <a:p>
+              <a:r>
+                <a:rPr lang="en-US" altLang="ko-KR" sz="1600" b="1" dirty="0">
+                  <a:latin typeface="+mj-ea"/>
+                  <a:ea typeface="+mj-ea"/>
+                </a:rPr>
+                <a:t>Raw Text Tag </a:t>
+              </a:r>
+              <a:r>
+                <a:rPr lang="ko-KR" altLang="en-US" sz="1600" b="1" dirty="0">
+                  <a:latin typeface="+mj-ea"/>
+                  <a:ea typeface="+mj-ea"/>
+                </a:rPr>
+                <a:t>제거 이유</a:t>
+              </a:r>
+              <a:endParaRPr lang="en-US" altLang="ko-KR" sz="1600" b="1" dirty="0">
+                <a:latin typeface="+mj-ea"/>
+                <a:ea typeface="+mj-ea"/>
+              </a:endParaRPr>
+            </a:p>
+            <a:p>
+              <a:pPr marL="171450" indent="-171450">
+                <a:buFont typeface="Wingdings" panose="05000000000000000000" pitchFamily="2" charset="2"/>
+                <a:buChar char="§"/>
+              </a:pPr>
+              <a:r>
+                <a:rPr lang="ko-KR" altLang="en-US" sz="1600" dirty="0">
+                  <a:latin typeface="+mj-ea"/>
+                  <a:ea typeface="+mj-ea"/>
+                </a:rPr>
+                <a:t>대다수의 논문이 </a:t>
+              </a:r>
+              <a:r>
+                <a:rPr lang="en-US" altLang="ko-KR" sz="1600" dirty="0">
+                  <a:latin typeface="+mj-ea"/>
+                  <a:ea typeface="+mj-ea"/>
+                </a:rPr>
+                <a:t>XML </a:t>
+              </a:r>
+              <a:r>
+                <a:rPr lang="ko-KR" altLang="en-US" sz="1600" dirty="0">
+                  <a:latin typeface="+mj-ea"/>
+                  <a:ea typeface="+mj-ea"/>
+                </a:rPr>
+                <a:t>기반의 구조화가 잘 이루어져 있어 </a:t>
+              </a:r>
+              <a:r>
+                <a:rPr lang="en-US" altLang="ko-KR" sz="1600" dirty="0">
+                  <a:latin typeface="+mj-ea"/>
+                  <a:ea typeface="+mj-ea"/>
+                </a:rPr>
+                <a:t>Figure </a:t>
+              </a:r>
+              <a:r>
+                <a:rPr lang="ko-KR" altLang="en-US" sz="1600" dirty="0">
+                  <a:latin typeface="+mj-ea"/>
+                  <a:ea typeface="+mj-ea"/>
+                </a:rPr>
+                <a:t>및 </a:t>
+              </a:r>
+              <a:r>
+                <a:rPr lang="en-US" altLang="ko-KR" sz="1600" dirty="0">
+                  <a:latin typeface="+mj-ea"/>
+                  <a:ea typeface="+mj-ea"/>
+                </a:rPr>
+                <a:t>Table</a:t>
+              </a:r>
+              <a:r>
+                <a:rPr lang="ko-KR" altLang="en-US" sz="1600" dirty="0">
+                  <a:latin typeface="+mj-ea"/>
+                  <a:ea typeface="+mj-ea"/>
+                </a:rPr>
+                <a:t>과 같은 캡션 요소를 명시적으로 식별할 수 있는 반면</a:t>
+              </a:r>
+              <a:r>
+                <a:rPr lang="en-US" altLang="ko-KR" sz="1600" dirty="0">
+                  <a:latin typeface="+mj-ea"/>
+                  <a:ea typeface="+mj-ea"/>
+                </a:rPr>
+                <a:t>, </a:t>
+              </a:r>
+              <a:br>
+                <a:rPr lang="en-US" altLang="ko-KR" sz="1600" dirty="0">
+                  <a:latin typeface="+mj-ea"/>
+                  <a:ea typeface="+mj-ea"/>
+                </a:rPr>
+              </a:br>
+              <a:r>
+                <a:rPr lang="ko-KR" altLang="en-US" sz="1600" dirty="0">
+                  <a:latin typeface="+mj-ea"/>
+                  <a:ea typeface="+mj-ea"/>
+                </a:rPr>
+                <a:t>일부 문서는 구조적 구분 없이 전체 본문이 단순 텍스트 형태로 제공</a:t>
+              </a:r>
+              <a:r>
+                <a:rPr lang="en-US" altLang="ko-KR" sz="1600" dirty="0">
+                  <a:latin typeface="+mj-ea"/>
+                  <a:ea typeface="+mj-ea"/>
+                </a:rPr>
+                <a:t>.</a:t>
+              </a:r>
+            </a:p>
+            <a:p>
+              <a:pPr marL="171450" indent="-171450">
+                <a:buFont typeface="Wingdings" panose="05000000000000000000" pitchFamily="2" charset="2"/>
+                <a:buChar char="§"/>
+              </a:pPr>
+              <a:r>
+                <a:rPr lang="ko-KR" altLang="en-US" sz="1600" dirty="0">
+                  <a:latin typeface="+mj-ea"/>
+                  <a:ea typeface="+mj-ea"/>
+                </a:rPr>
+                <a:t>이러한 문서는 원문이 적절한 태그나 메타데이터 없이 공백이나 </a:t>
+              </a:r>
+              <a:r>
+                <a:rPr lang="ko-KR" altLang="en-US" sz="1600" dirty="0" err="1">
+                  <a:latin typeface="+mj-ea"/>
+                  <a:ea typeface="+mj-ea"/>
+                </a:rPr>
+                <a:t>줄바꿈만으로</a:t>
+              </a:r>
+              <a:r>
+                <a:rPr lang="ko-KR" altLang="en-US" sz="1600" dirty="0">
+                  <a:latin typeface="+mj-ea"/>
+                  <a:ea typeface="+mj-ea"/>
+                </a:rPr>
+                <a:t> 구분되어 있으며</a:t>
+              </a:r>
+              <a:r>
+                <a:rPr lang="en-US" altLang="ko-KR" sz="1600" dirty="0">
+                  <a:latin typeface="+mj-ea"/>
+                  <a:ea typeface="+mj-ea"/>
+                </a:rPr>
+                <a:t>, </a:t>
+              </a:r>
+              <a:r>
+                <a:rPr lang="ko-KR" altLang="en-US" sz="1600" dirty="0">
+                  <a:latin typeface="+mj-ea"/>
+                  <a:ea typeface="+mj-ea"/>
+                </a:rPr>
+                <a:t>특히 오래된 문헌에서 자주 관찰됨</a:t>
+              </a:r>
+              <a:r>
+                <a:rPr lang="en-US" altLang="ko-KR" sz="1600" dirty="0">
+                  <a:latin typeface="+mj-ea"/>
+                  <a:ea typeface="+mj-ea"/>
+                </a:rPr>
+                <a:t>. </a:t>
+              </a:r>
+            </a:p>
+            <a:p>
+              <a:pPr marL="171450" indent="-171450">
+                <a:buFont typeface="Wingdings" panose="05000000000000000000" pitchFamily="2" charset="2"/>
+                <a:buChar char="§"/>
+              </a:pPr>
+              <a:r>
+                <a:rPr lang="ko-KR" altLang="en-US" sz="1600" dirty="0">
+                  <a:latin typeface="+mj-ea"/>
+                  <a:ea typeface="+mj-ea"/>
+                </a:rPr>
+                <a:t>이러한 경우 캡션을 식별하기 위해서는 규칙 기반 패턴 탐지나 추가적인 정규화 절차가 필요하며</a:t>
+              </a:r>
+              <a:r>
+                <a:rPr lang="en-US" altLang="ko-KR" sz="1600" dirty="0">
+                  <a:latin typeface="+mj-ea"/>
+                  <a:ea typeface="+mj-ea"/>
+                </a:rPr>
+                <a:t>, </a:t>
+              </a:r>
+              <a:r>
+                <a:rPr lang="ko-KR" altLang="en-US" sz="1600" dirty="0">
+                  <a:latin typeface="+mj-ea"/>
+                  <a:ea typeface="+mj-ea"/>
+                </a:rPr>
+                <a:t>이는 시간과 비용 측면에서 비효율적</a:t>
+              </a:r>
+              <a:r>
+                <a:rPr lang="en-US" altLang="ko-KR" sz="1600" dirty="0">
+                  <a:latin typeface="+mj-ea"/>
+                  <a:ea typeface="+mj-ea"/>
+                </a:rPr>
+                <a:t>. </a:t>
+              </a:r>
+            </a:p>
+            <a:p>
+              <a:pPr marL="171450" indent="-171450">
+                <a:buFont typeface="Wingdings" panose="05000000000000000000" pitchFamily="2" charset="2"/>
+                <a:buChar char="§"/>
+              </a:pPr>
+              <a:r>
+                <a:rPr lang="ko-KR" altLang="en-US" sz="1600" dirty="0">
+                  <a:latin typeface="+mj-ea"/>
+                  <a:ea typeface="+mj-ea"/>
+                </a:rPr>
+                <a:t>최근 발행된 논문에서는 이러한 문제가 거의 나타나지 않으며</a:t>
+              </a:r>
+              <a:r>
+                <a:rPr lang="en-US" altLang="ko-KR" sz="1600" dirty="0">
+                  <a:latin typeface="+mj-ea"/>
+                  <a:ea typeface="+mj-ea"/>
+                </a:rPr>
+                <a:t>, </a:t>
+              </a:r>
+              <a:r>
+                <a:rPr lang="ko-KR" altLang="en-US" sz="1600" dirty="0">
+                  <a:latin typeface="+mj-ea"/>
+                  <a:ea typeface="+mj-ea"/>
+                </a:rPr>
+                <a:t>과거 문서가 스캔본을 처리한 결과물이라는 점이 주요 원인으로 판단</a:t>
+              </a:r>
+              <a:r>
+                <a:rPr lang="en-US" altLang="ko-KR" sz="1600" dirty="0">
+                  <a:latin typeface="+mj-ea"/>
+                  <a:ea typeface="+mj-ea"/>
+                </a:rPr>
+                <a:t>. </a:t>
+              </a:r>
+            </a:p>
+            <a:p>
+              <a:pPr marL="171450" indent="-171450">
+                <a:buFont typeface="Wingdings" panose="05000000000000000000" pitchFamily="2" charset="2"/>
+                <a:buChar char="§"/>
+              </a:pPr>
+              <a:r>
+                <a:rPr lang="ko-KR" altLang="en-US" sz="1600" dirty="0">
+                  <a:latin typeface="+mj-ea"/>
+                  <a:ea typeface="+mj-ea"/>
+                </a:rPr>
+                <a:t>따라서 구조적 정보가 결여된 문서를 제외함으로써 캡션 추출 과정의 정확성과 처리 효율을 확보하고자 함</a:t>
+              </a:r>
+              <a:r>
+                <a:rPr lang="en-US" altLang="ko-KR" sz="1600" dirty="0">
+                  <a:latin typeface="+mj-ea"/>
+                  <a:ea typeface="+mj-ea"/>
+                </a:rPr>
+                <a:t>.</a:t>
+              </a:r>
+              <a:endParaRPr lang="ko-KR" altLang="en-US" sz="1600" dirty="0">
+                <a:latin typeface="+mj-ea"/>
+                <a:ea typeface="+mj-ea"/>
+              </a:endParaRPr>
+            </a:p>
+          </p:txBody>
+        </p:sp>
+        <p:sp>
+          <p:nvSpPr>
+            <p:cNvPr id="39" name="화살표: 오른쪽 38">
+              <a:extLst>
+                <a:ext uri="{FF2B5EF4-FFF2-40B4-BE49-F238E27FC236}">
+                  <a16:creationId xmlns:a16="http://schemas.microsoft.com/office/drawing/2014/main" id="{F5FB968B-9DE8-69DA-A128-9EE3E5444706}"/>
+                </a:ext>
+              </a:extLst>
+            </p:cNvPr>
+            <p:cNvSpPr/>
+            <p:nvPr/>
+          </p:nvSpPr>
+          <p:spPr>
+            <a:xfrm>
+              <a:off x="906079" y="621826"/>
+              <a:ext cx="191655" cy="173732"/>
+            </a:xfrm>
+            <a:prstGeom prst="rightArrow">
+              <a:avLst/>
+            </a:prstGeom>
+          </p:spPr>
+          <p:style>
+            <a:lnRef idx="2">
+              <a:schemeClr val="dk1">
+                <a:shade val="15000"/>
+              </a:schemeClr>
+            </a:lnRef>
+            <a:fillRef idx="1">
+              <a:schemeClr val="dk1"/>
+            </a:fillRef>
+            <a:effectRef idx="0">
+              <a:schemeClr val="dk1"/>
+            </a:effectRef>
+            <a:fontRef idx="minor">
+              <a:schemeClr val="lt1"/>
+            </a:fontRef>
+          </p:style>
+          <p:txBody>
+            <a:bodyPr rtlCol="0" anchor="ctr"/>
+            <a:lstStyle/>
+            <a:p>
+              <a:pPr algn="ctr"/>
+              <a:endParaRPr lang="ko-KR" altLang="en-US"/>
+            </a:p>
+          </p:txBody>
+        </p:sp>
+        <p:sp>
+          <p:nvSpPr>
+            <p:cNvPr id="40" name="화살표: 오른쪽 39">
+              <a:extLst>
+                <a:ext uri="{FF2B5EF4-FFF2-40B4-BE49-F238E27FC236}">
+                  <a16:creationId xmlns:a16="http://schemas.microsoft.com/office/drawing/2014/main" id="{90C30180-0E24-A2A9-C572-16EB09748B7B}"/>
+                </a:ext>
+              </a:extLst>
+            </p:cNvPr>
+            <p:cNvSpPr/>
+            <p:nvPr/>
+          </p:nvSpPr>
+          <p:spPr>
+            <a:xfrm>
+              <a:off x="3262511" y="621826"/>
+              <a:ext cx="191655" cy="173732"/>
+            </a:xfrm>
+            <a:prstGeom prst="rightArrow">
+              <a:avLst/>
+            </a:prstGeom>
+          </p:spPr>
+          <p:style>
+            <a:lnRef idx="2">
+              <a:schemeClr val="dk1">
+                <a:shade val="15000"/>
+              </a:schemeClr>
+            </a:lnRef>
+            <a:fillRef idx="1">
+              <a:schemeClr val="dk1"/>
+            </a:fillRef>
+            <a:effectRef idx="0">
+              <a:schemeClr val="dk1"/>
+            </a:effectRef>
+            <a:fontRef idx="minor">
+              <a:schemeClr val="lt1"/>
+            </a:fontRef>
+          </p:style>
+          <p:txBody>
+            <a:bodyPr rtlCol="0" anchor="ctr"/>
+            <a:lstStyle/>
+            <a:p>
+              <a:pPr algn="ctr"/>
+              <a:endParaRPr lang="ko-KR" altLang="en-US" dirty="0"/>
+            </a:p>
+          </p:txBody>
+        </p:sp>
+        <p:sp>
+          <p:nvSpPr>
+            <p:cNvPr id="41" name="화살표: 오른쪽 40">
+              <a:extLst>
+                <a:ext uri="{FF2B5EF4-FFF2-40B4-BE49-F238E27FC236}">
+                  <a16:creationId xmlns:a16="http://schemas.microsoft.com/office/drawing/2014/main" id="{B0583F2C-7371-DB28-E135-D5DA4F654589}"/>
+                </a:ext>
+              </a:extLst>
+            </p:cNvPr>
+            <p:cNvSpPr/>
+            <p:nvPr/>
+          </p:nvSpPr>
+          <p:spPr>
+            <a:xfrm>
+              <a:off x="4347700" y="621826"/>
+              <a:ext cx="191655" cy="173732"/>
+            </a:xfrm>
+            <a:prstGeom prst="rightArrow">
+              <a:avLst/>
+            </a:prstGeom>
+          </p:spPr>
+          <p:style>
+            <a:lnRef idx="2">
+              <a:schemeClr val="dk1">
+                <a:shade val="15000"/>
+              </a:schemeClr>
+            </a:lnRef>
+            <a:fillRef idx="1">
+              <a:schemeClr val="dk1"/>
+            </a:fillRef>
+            <a:effectRef idx="0">
+              <a:schemeClr val="dk1"/>
+            </a:effectRef>
+            <a:fontRef idx="minor">
+              <a:schemeClr val="lt1"/>
+            </a:fontRef>
+          </p:style>
+          <p:txBody>
+            <a:bodyPr rtlCol="0" anchor="ctr"/>
+            <a:lstStyle/>
+            <a:p>
+              <a:pPr algn="ctr"/>
+              <a:endParaRPr lang="ko-KR" altLang="en-US" dirty="0"/>
+            </a:p>
+          </p:txBody>
+        </p:sp>
+        <p:cxnSp>
+          <p:nvCxnSpPr>
+            <p:cNvPr id="43" name="연결선: 꺾임 42">
+              <a:extLst>
+                <a:ext uri="{FF2B5EF4-FFF2-40B4-BE49-F238E27FC236}">
+                  <a16:creationId xmlns:a16="http://schemas.microsoft.com/office/drawing/2014/main" id="{C6C5276D-7B9B-222F-257C-5774DDBDAA09}"/>
+                </a:ext>
+              </a:extLst>
+            </p:cNvPr>
+            <p:cNvCxnSpPr>
+              <a:stCxn id="8" idx="2"/>
+              <a:endCxn id="11" idx="1"/>
+            </p:cNvCxnSpPr>
+            <p:nvPr/>
+          </p:nvCxnSpPr>
+          <p:spPr>
+            <a:xfrm rot="16200000" flipH="1">
+              <a:off x="5752433" y="898517"/>
+              <a:ext cx="284609" cy="499303"/>
+            </a:xfrm>
+            <a:prstGeom prst="bentConnector2">
+              <a:avLst/>
+            </a:prstGeom>
+            <a:ln w="38100">
+              <a:tailEnd type="triangle"/>
+            </a:ln>
+          </p:spPr>
+          <p:style>
+            <a:lnRef idx="2">
+              <a:schemeClr val="dk1"/>
+            </a:lnRef>
+            <a:fillRef idx="0">
+              <a:schemeClr val="dk1"/>
+            </a:fillRef>
+            <a:effectRef idx="1">
+              <a:schemeClr val="dk1"/>
+            </a:effectRef>
+            <a:fontRef idx="minor">
+              <a:schemeClr val="tx1"/>
+            </a:fontRef>
+          </p:style>
+        </p:cxnSp>
+        <p:cxnSp>
+          <p:nvCxnSpPr>
+            <p:cNvPr id="44" name="연결선: 꺾임 43">
+              <a:extLst>
+                <a:ext uri="{FF2B5EF4-FFF2-40B4-BE49-F238E27FC236}">
+                  <a16:creationId xmlns:a16="http://schemas.microsoft.com/office/drawing/2014/main" id="{41A584A7-8C75-234D-82C6-17CE3D596EEA}"/>
+                </a:ext>
+              </a:extLst>
+            </p:cNvPr>
+            <p:cNvCxnSpPr>
+              <a:cxnSpLocks/>
+              <a:stCxn id="8" idx="2"/>
+              <a:endCxn id="12" idx="1"/>
+            </p:cNvCxnSpPr>
+            <p:nvPr/>
+          </p:nvCxnSpPr>
+          <p:spPr>
+            <a:xfrm rot="16200000" flipH="1">
+              <a:off x="5260626" y="1390324"/>
+              <a:ext cx="1268222" cy="499303"/>
+            </a:xfrm>
+            <a:prstGeom prst="bentConnector2">
+              <a:avLst/>
+            </a:prstGeom>
+            <a:ln w="38100">
+              <a:tailEnd type="triangle"/>
+            </a:ln>
+          </p:spPr>
+          <p:style>
+            <a:lnRef idx="2">
+              <a:schemeClr val="dk1"/>
+            </a:lnRef>
+            <a:fillRef idx="0">
+              <a:schemeClr val="dk1"/>
+            </a:fillRef>
+            <a:effectRef idx="1">
+              <a:schemeClr val="dk1"/>
+            </a:effectRef>
+            <a:fontRef idx="minor">
+              <a:schemeClr val="tx1"/>
+            </a:fontRef>
+          </p:style>
+        </p:cxnSp>
+        <p:cxnSp>
+          <p:nvCxnSpPr>
+            <p:cNvPr id="47" name="연결선: 꺾임 46">
+              <a:extLst>
+                <a:ext uri="{FF2B5EF4-FFF2-40B4-BE49-F238E27FC236}">
+                  <a16:creationId xmlns:a16="http://schemas.microsoft.com/office/drawing/2014/main" id="{E421D150-AD7C-26A3-1D03-F73A78F89A92}"/>
+                </a:ext>
+              </a:extLst>
+            </p:cNvPr>
+            <p:cNvCxnSpPr>
+              <a:cxnSpLocks/>
+              <a:stCxn id="17" idx="2"/>
+              <a:endCxn id="20" idx="1"/>
+            </p:cNvCxnSpPr>
+            <p:nvPr/>
+          </p:nvCxnSpPr>
+          <p:spPr>
+            <a:xfrm rot="16200000" flipH="1">
+              <a:off x="7481295" y="2387806"/>
+              <a:ext cx="399232" cy="1120813"/>
+            </a:xfrm>
+            <a:prstGeom prst="bentConnector2">
+              <a:avLst/>
+            </a:prstGeom>
+            <a:ln w="38100">
+              <a:tailEnd type="triangle"/>
+            </a:ln>
+          </p:spPr>
+          <p:style>
+            <a:lnRef idx="2">
+              <a:schemeClr val="dk1"/>
+            </a:lnRef>
+            <a:fillRef idx="0">
+              <a:schemeClr val="dk1"/>
+            </a:fillRef>
+            <a:effectRef idx="1">
+              <a:schemeClr val="dk1"/>
+            </a:effectRef>
+            <a:fontRef idx="minor">
+              <a:schemeClr val="tx1"/>
+            </a:fontRef>
+          </p:style>
+        </p:cxnSp>
+        <p:cxnSp>
+          <p:nvCxnSpPr>
+            <p:cNvPr id="50" name="연결선: 꺾임 49">
+              <a:extLst>
+                <a:ext uri="{FF2B5EF4-FFF2-40B4-BE49-F238E27FC236}">
+                  <a16:creationId xmlns:a16="http://schemas.microsoft.com/office/drawing/2014/main" id="{51E918BC-88AA-1494-FD49-9ED53AC9D93D}"/>
+                </a:ext>
+              </a:extLst>
+            </p:cNvPr>
+            <p:cNvCxnSpPr>
+              <a:cxnSpLocks/>
+              <a:stCxn id="17" idx="2"/>
+              <a:endCxn id="21" idx="1"/>
+            </p:cNvCxnSpPr>
+            <p:nvPr/>
+          </p:nvCxnSpPr>
+          <p:spPr>
+            <a:xfrm rot="16200000" flipH="1">
+              <a:off x="7079240" y="2789861"/>
+              <a:ext cx="1203343" cy="1120813"/>
+            </a:xfrm>
+            <a:prstGeom prst="bentConnector2">
+              <a:avLst/>
+            </a:prstGeom>
+            <a:ln w="38100">
+              <a:tailEnd type="triangle"/>
+            </a:ln>
+          </p:spPr>
+          <p:style>
+            <a:lnRef idx="2">
+              <a:schemeClr val="dk1"/>
+            </a:lnRef>
+            <a:fillRef idx="0">
+              <a:schemeClr val="dk1"/>
+            </a:fillRef>
+            <a:effectRef idx="1">
+              <a:schemeClr val="dk1"/>
+            </a:effectRef>
+            <a:fontRef idx="minor">
+              <a:schemeClr val="tx1"/>
+            </a:fontRef>
+          </p:style>
+        </p:cxnSp>
+        <p:sp>
+          <p:nvSpPr>
+            <p:cNvPr id="63" name="TextBox 62">
+              <a:extLst>
+                <a:ext uri="{FF2B5EF4-FFF2-40B4-BE49-F238E27FC236}">
+                  <a16:creationId xmlns:a16="http://schemas.microsoft.com/office/drawing/2014/main" id="{B47CA274-C47F-278A-B9F5-71B67852F7A5}"/>
+                </a:ext>
+              </a:extLst>
+            </p:cNvPr>
+            <p:cNvSpPr txBox="1"/>
+            <p:nvPr/>
+          </p:nvSpPr>
+          <p:spPr>
+            <a:xfrm>
+              <a:off x="182270" y="1370934"/>
+              <a:ext cx="4889226" cy="1569660"/>
+            </a:xfrm>
+            <a:prstGeom prst="rect">
+              <a:avLst/>
+            </a:prstGeom>
+            <a:noFill/>
+          </p:spPr>
+          <p:txBody>
+            <a:bodyPr wrap="square">
+              <a:spAutoFit/>
+            </a:bodyPr>
+            <a:lstStyle/>
+            <a:p>
+              <a:r>
+                <a:rPr lang="en-US" altLang="ko-KR" sz="1600" b="1" dirty="0">
+                  <a:latin typeface="+mj-ea"/>
+                  <a:ea typeface="+mj-ea"/>
+                </a:rPr>
+                <a:t>Purchase pdf </a:t>
+              </a:r>
+              <a:r>
+                <a:rPr lang="ko-KR" altLang="en-US" sz="1600" b="1" dirty="0">
+                  <a:latin typeface="+mj-ea"/>
+                  <a:ea typeface="+mj-ea"/>
+                </a:rPr>
+                <a:t>제거 이유</a:t>
+              </a:r>
+            </a:p>
+            <a:p>
+              <a:pPr marL="171450" indent="-171450">
+                <a:buFont typeface="Wingdings" panose="05000000000000000000" pitchFamily="2" charset="2"/>
+                <a:buChar char="§"/>
+              </a:pPr>
+              <a:r>
+                <a:rPr lang="ko-KR" altLang="en-US" sz="1600" dirty="0">
+                  <a:latin typeface="+mj-ea"/>
+                  <a:ea typeface="+mj-ea"/>
+                </a:rPr>
+                <a:t>약 </a:t>
+              </a:r>
+              <a:r>
+                <a:rPr lang="en-US" altLang="ko-KR" sz="1600" dirty="0">
+                  <a:latin typeface="+mj-ea"/>
+                  <a:ea typeface="+mj-ea"/>
+                </a:rPr>
+                <a:t>37</a:t>
+              </a:r>
+              <a:r>
+                <a:rPr lang="ko-KR" altLang="en-US" sz="1600" dirty="0">
+                  <a:latin typeface="+mj-ea"/>
+                  <a:ea typeface="+mj-ea"/>
+                </a:rPr>
+                <a:t>개의 논문들이 학교 라이선스가 있어도 직접 </a:t>
+              </a:r>
+              <a:r>
+                <a:rPr lang="ko-KR" altLang="en-US" sz="1600" dirty="0" err="1">
+                  <a:latin typeface="+mj-ea"/>
+                  <a:ea typeface="+mj-ea"/>
+                </a:rPr>
+                <a:t>구매해야하는</a:t>
+              </a:r>
+              <a:r>
+                <a:rPr lang="ko-KR" altLang="en-US" sz="1600" dirty="0">
+                  <a:latin typeface="+mj-ea"/>
+                  <a:ea typeface="+mj-ea"/>
+                </a:rPr>
+                <a:t> 특별한 논문들이었음</a:t>
+              </a:r>
+              <a:r>
+                <a:rPr lang="en-US" altLang="ko-KR" sz="1600" dirty="0">
+                  <a:latin typeface="+mj-ea"/>
+                  <a:ea typeface="+mj-ea"/>
+                </a:rPr>
+                <a:t>. </a:t>
+              </a:r>
+            </a:p>
+            <a:p>
+              <a:pPr marL="171450" indent="-171450">
+                <a:buFont typeface="Wingdings" panose="05000000000000000000" pitchFamily="2" charset="2"/>
+                <a:buChar char="§"/>
+              </a:pPr>
+              <a:r>
+                <a:rPr lang="ko-KR" altLang="en-US" sz="1600" dirty="0">
+                  <a:latin typeface="+mj-ea"/>
+                  <a:ea typeface="+mj-ea"/>
+                </a:rPr>
+                <a:t>이러한 논문들이 초록과 타이틀만 </a:t>
+              </a:r>
+              <a:r>
+                <a:rPr lang="ko-KR" altLang="en-US" sz="1600" dirty="0" err="1">
+                  <a:latin typeface="+mj-ea"/>
+                  <a:ea typeface="+mj-ea"/>
+                </a:rPr>
+                <a:t>수집할때는</a:t>
+              </a:r>
+              <a:r>
+                <a:rPr lang="ko-KR" altLang="en-US" sz="1600" dirty="0">
+                  <a:latin typeface="+mj-ea"/>
+                  <a:ea typeface="+mj-ea"/>
+                </a:rPr>
+                <a:t> 문제가 되지 않았으나</a:t>
+              </a:r>
+              <a:r>
+                <a:rPr lang="en-US" altLang="ko-KR" sz="1600" dirty="0">
+                  <a:latin typeface="+mj-ea"/>
+                  <a:ea typeface="+mj-ea"/>
+                </a:rPr>
+                <a:t>, Full Text</a:t>
+              </a:r>
+              <a:r>
+                <a:rPr lang="ko-KR" altLang="en-US" sz="1600" dirty="0">
+                  <a:latin typeface="+mj-ea"/>
+                  <a:ea typeface="+mj-ea"/>
+                </a:rPr>
+                <a:t>를 수집하는 이번 과정에서 식별되고 </a:t>
+              </a:r>
+              <a:r>
+                <a:rPr lang="ko-KR" altLang="en-US" sz="1600" dirty="0" err="1">
+                  <a:latin typeface="+mj-ea"/>
+                  <a:ea typeface="+mj-ea"/>
+                </a:rPr>
+                <a:t>걸러짐</a:t>
+              </a:r>
+              <a:r>
+                <a:rPr lang="en-US" altLang="ko-KR" sz="1600" dirty="0">
+                  <a:latin typeface="+mj-ea"/>
+                  <a:ea typeface="+mj-ea"/>
+                </a:rPr>
+                <a:t>.</a:t>
+              </a:r>
+              <a:endParaRPr lang="ko-KR" altLang="en-US" sz="1600" dirty="0">
+                <a:latin typeface="+mj-ea"/>
+                <a:ea typeface="+mj-ea"/>
+              </a:endParaRPr>
+            </a:p>
+          </p:txBody>
+        </p:sp>
+        <p:sp>
+          <p:nvSpPr>
+            <p:cNvPr id="64" name="TextBox 63">
+              <a:extLst>
+                <a:ext uri="{FF2B5EF4-FFF2-40B4-BE49-F238E27FC236}">
+                  <a16:creationId xmlns:a16="http://schemas.microsoft.com/office/drawing/2014/main" id="{9E6BD144-6E64-1BD0-9F34-026CA4C7C066}"/>
+                </a:ext>
+              </a:extLst>
+            </p:cNvPr>
+            <p:cNvSpPr txBox="1"/>
+            <p:nvPr/>
+          </p:nvSpPr>
+          <p:spPr>
+            <a:xfrm>
+              <a:off x="182269" y="3042487"/>
+              <a:ext cx="6645391" cy="1815882"/>
+            </a:xfrm>
+            <a:prstGeom prst="rect">
+              <a:avLst/>
+            </a:prstGeom>
+            <a:noFill/>
+          </p:spPr>
+          <p:txBody>
+            <a:bodyPr wrap="square">
+              <a:spAutoFit/>
+            </a:bodyPr>
+            <a:lstStyle/>
+            <a:p>
+              <a:r>
+                <a:rPr lang="en-US" altLang="ko-KR" sz="1600" b="1" dirty="0">
+                  <a:latin typeface="+mj-ea"/>
+                  <a:ea typeface="+mj-ea"/>
+                </a:rPr>
+                <a:t>caption </a:t>
+              </a:r>
+              <a:r>
+                <a:rPr lang="ko-KR" altLang="en-US" sz="1600" b="1" dirty="0">
+                  <a:latin typeface="+mj-ea"/>
+                  <a:ea typeface="+mj-ea"/>
+                </a:rPr>
+                <a:t>없는 논문</a:t>
+              </a:r>
+              <a:r>
+                <a:rPr lang="en-US" altLang="ko-KR" sz="1600" b="1" dirty="0">
+                  <a:latin typeface="+mj-ea"/>
+                  <a:ea typeface="+mj-ea"/>
+                </a:rPr>
+                <a:t> </a:t>
+              </a:r>
+              <a:r>
+                <a:rPr lang="ko-KR" altLang="en-US" sz="1600" b="1" dirty="0">
+                  <a:latin typeface="+mj-ea"/>
+                  <a:ea typeface="+mj-ea"/>
+                </a:rPr>
+                <a:t>제거 이유</a:t>
+              </a:r>
+            </a:p>
+            <a:p>
+              <a:pPr marL="171450" indent="-171450">
+                <a:buFont typeface="Wingdings" panose="05000000000000000000" pitchFamily="2" charset="2"/>
+                <a:buChar char="§"/>
+              </a:pPr>
+              <a:r>
+                <a:rPr lang="ko-KR" altLang="en-US" sz="1600" dirty="0">
+                  <a:latin typeface="+mj-ea"/>
+                  <a:ea typeface="+mj-ea"/>
+                </a:rPr>
+                <a:t>간혹 캡션이 전혀 존재하지 않는 논문이 존재</a:t>
+              </a:r>
+              <a:r>
+                <a:rPr lang="en-US" altLang="ko-KR" sz="1600" dirty="0">
+                  <a:latin typeface="+mj-ea"/>
+                  <a:ea typeface="+mj-ea"/>
+                </a:rPr>
+                <a:t>. </a:t>
+              </a:r>
+            </a:p>
+            <a:p>
+              <a:pPr marL="171450" indent="-171450">
+                <a:buFont typeface="Wingdings" panose="05000000000000000000" pitchFamily="2" charset="2"/>
+                <a:buChar char="§"/>
+              </a:pPr>
+              <a:r>
+                <a:rPr lang="ko-KR" altLang="en-US" sz="1600" dirty="0">
+                  <a:latin typeface="+mj-ea"/>
+                  <a:ea typeface="+mj-ea"/>
+                </a:rPr>
+                <a:t>실제 문서를 확인한 결과</a:t>
+              </a:r>
+              <a:r>
+                <a:rPr lang="en-US" altLang="ko-KR" sz="1600" dirty="0">
+                  <a:latin typeface="+mj-ea"/>
+                  <a:ea typeface="+mj-ea"/>
+                </a:rPr>
+                <a:t>, </a:t>
+              </a:r>
+              <a:r>
+                <a:rPr lang="ko-KR" altLang="en-US" sz="1600" dirty="0">
+                  <a:latin typeface="+mj-ea"/>
+                  <a:ea typeface="+mj-ea"/>
+                </a:rPr>
+                <a:t>이들 논문은 </a:t>
+              </a:r>
+              <a:r>
+                <a:rPr lang="en-US" altLang="ko-KR" sz="1600" dirty="0">
+                  <a:latin typeface="+mj-ea"/>
+                  <a:ea typeface="+mj-ea"/>
+                </a:rPr>
+                <a:t>Figure</a:t>
+              </a:r>
+              <a:r>
+                <a:rPr lang="ko-KR" altLang="en-US" sz="1600" dirty="0">
+                  <a:latin typeface="+mj-ea"/>
+                  <a:ea typeface="+mj-ea"/>
+                </a:rPr>
+                <a:t>나 </a:t>
+              </a:r>
+              <a:r>
+                <a:rPr lang="en-US" altLang="ko-KR" sz="1600" dirty="0">
+                  <a:latin typeface="+mj-ea"/>
+                  <a:ea typeface="+mj-ea"/>
+                </a:rPr>
+                <a:t>Table</a:t>
+              </a:r>
+              <a:r>
+                <a:rPr lang="ko-KR" altLang="en-US" sz="1600" dirty="0">
+                  <a:latin typeface="+mj-ea"/>
+                  <a:ea typeface="+mj-ea"/>
+                </a:rPr>
+                <a:t>과 같은 시각적 요소가 포함되지 않고 텍스트만으로 구성되어 있었음</a:t>
+              </a:r>
+              <a:r>
+                <a:rPr lang="en-US" altLang="ko-KR" sz="1600" dirty="0">
+                  <a:latin typeface="+mj-ea"/>
+                  <a:ea typeface="+mj-ea"/>
+                </a:rPr>
+                <a:t>.</a:t>
+              </a:r>
+            </a:p>
+            <a:p>
+              <a:pPr marL="171450" indent="-171450">
+                <a:buFont typeface="Wingdings" panose="05000000000000000000" pitchFamily="2" charset="2"/>
+                <a:buChar char="§"/>
+              </a:pPr>
+              <a:r>
+                <a:rPr lang="ko-KR" altLang="en-US" sz="1600" dirty="0">
+                  <a:latin typeface="+mj-ea"/>
+                  <a:ea typeface="+mj-ea"/>
+                </a:rPr>
+                <a:t>이러한 문헌에서는 캡션 기반의 정보 추출이 불가능할 뿐만 아니라</a:t>
+              </a:r>
+              <a:r>
+                <a:rPr lang="en-US" altLang="ko-KR" sz="1600" dirty="0">
+                  <a:latin typeface="+mj-ea"/>
+                  <a:ea typeface="+mj-ea"/>
+                </a:rPr>
+                <a:t>, </a:t>
+              </a:r>
+              <a:r>
+                <a:rPr lang="ko-KR" altLang="en-US" sz="1600" dirty="0">
+                  <a:latin typeface="+mj-ea"/>
+                  <a:ea typeface="+mj-ea"/>
+                </a:rPr>
+                <a:t>유의미한 정량적 또는 구조적 정보를 확보하기 어려울 것으로 판단</a:t>
+              </a:r>
+              <a:r>
+                <a:rPr lang="en-US" altLang="ko-KR" sz="1600" dirty="0">
+                  <a:latin typeface="+mj-ea"/>
+                  <a:ea typeface="+mj-ea"/>
+                </a:rPr>
+                <a:t>. </a:t>
+              </a:r>
+            </a:p>
+            <a:p>
+              <a:pPr marL="171450" indent="-171450">
+                <a:buFont typeface="Wingdings" panose="05000000000000000000" pitchFamily="2" charset="2"/>
+                <a:buChar char="§"/>
+              </a:pPr>
+              <a:r>
+                <a:rPr lang="ko-KR" altLang="en-US" sz="1600" dirty="0">
+                  <a:latin typeface="+mj-ea"/>
+                  <a:ea typeface="+mj-ea"/>
+                </a:rPr>
+                <a:t>분석 단계에서 조기에 제외</a:t>
+              </a:r>
+              <a:r>
+                <a:rPr lang="en-US" altLang="ko-KR" sz="1600" dirty="0">
+                  <a:latin typeface="+mj-ea"/>
+                  <a:ea typeface="+mj-ea"/>
+                </a:rPr>
+                <a:t>.</a:t>
+              </a:r>
+              <a:endParaRPr lang="ko-KR" altLang="en-US" sz="1600" dirty="0">
+                <a:latin typeface="+mj-ea"/>
+                <a:ea typeface="+mj-ea"/>
+              </a:endParaRPr>
+            </a:p>
+          </p:txBody>
+        </p:sp>
+        <p:sp>
+          <p:nvSpPr>
+            <p:cNvPr id="65" name="타원 64">
+              <a:extLst>
+                <a:ext uri="{FF2B5EF4-FFF2-40B4-BE49-F238E27FC236}">
+                  <a16:creationId xmlns:a16="http://schemas.microsoft.com/office/drawing/2014/main" id="{A0E810FA-C430-A8F4-056D-5D8988CD2251}"/>
+                </a:ext>
+              </a:extLst>
+            </p:cNvPr>
+            <p:cNvSpPr/>
+            <p:nvPr/>
+          </p:nvSpPr>
+          <p:spPr>
+            <a:xfrm>
+              <a:off x="1473236" y="1056007"/>
+              <a:ext cx="167368" cy="167368"/>
+            </a:xfrm>
+            <a:prstGeom prst="ellipse">
+              <a:avLst/>
+            </a:prstGeom>
+            <a:solidFill>
+              <a:schemeClr val="tx2">
+                <a:lumMod val="75000"/>
+                <a:lumOff val="25000"/>
+              </a:schemeClr>
+            </a:solidFill>
+            <a:ln w="57150">
+              <a:solidFill>
+                <a:schemeClr val="tx1"/>
+              </a:solidFill>
+            </a:ln>
+          </p:spPr>
+          <p:style>
+            <a:lnRef idx="2">
+              <a:schemeClr val="accent1">
+                <a:shade val="15000"/>
+              </a:schemeClr>
+            </a:lnRef>
+            <a:fillRef idx="1">
+              <a:schemeClr val="accent1"/>
+            </a:fillRef>
+            <a:effectRef idx="0">
+              <a:schemeClr val="accent1"/>
+            </a:effectRef>
+            <a:fontRef idx="minor">
+              <a:schemeClr val="lt1"/>
+            </a:fontRef>
+          </p:style>
+          <p:txBody>
+            <a:bodyPr rtlCol="0" anchor="ctr"/>
+            <a:lstStyle/>
+            <a:p>
+              <a:pPr algn="ctr"/>
+              <a:endParaRPr lang="ko-KR" altLang="en-US"/>
+            </a:p>
+          </p:txBody>
+        </p:sp>
+        <p:sp>
+          <p:nvSpPr>
+            <p:cNvPr id="66" name="타원 65">
+              <a:extLst>
+                <a:ext uri="{FF2B5EF4-FFF2-40B4-BE49-F238E27FC236}">
+                  <a16:creationId xmlns:a16="http://schemas.microsoft.com/office/drawing/2014/main" id="{CBF66C56-1CE1-213D-81A9-74A50D89DCBB}"/>
+                </a:ext>
+              </a:extLst>
+            </p:cNvPr>
+            <p:cNvSpPr/>
+            <p:nvPr/>
+          </p:nvSpPr>
+          <p:spPr>
+            <a:xfrm>
+              <a:off x="2493489" y="1464212"/>
+              <a:ext cx="167368" cy="167368"/>
+            </a:xfrm>
+            <a:prstGeom prst="ellipse">
+              <a:avLst/>
+            </a:prstGeom>
+            <a:solidFill>
+              <a:schemeClr val="tx2">
+                <a:lumMod val="75000"/>
+                <a:lumOff val="25000"/>
+              </a:schemeClr>
+            </a:solidFill>
+            <a:ln w="57150">
+              <a:solidFill>
+                <a:schemeClr val="tx1"/>
+              </a:solidFill>
+            </a:ln>
+          </p:spPr>
+          <p:style>
+            <a:lnRef idx="2">
+              <a:schemeClr val="accent1">
+                <a:shade val="15000"/>
+              </a:schemeClr>
+            </a:lnRef>
+            <a:fillRef idx="1">
+              <a:schemeClr val="accent1"/>
+            </a:fillRef>
+            <a:effectRef idx="0">
+              <a:schemeClr val="accent1"/>
+            </a:effectRef>
+            <a:fontRef idx="minor">
+              <a:schemeClr val="lt1"/>
+            </a:fontRef>
+          </p:style>
+          <p:txBody>
+            <a:bodyPr rtlCol="0" anchor="ctr"/>
+            <a:lstStyle/>
+            <a:p>
+              <a:pPr algn="ctr"/>
+              <a:endParaRPr lang="ko-KR" altLang="en-US"/>
+            </a:p>
+          </p:txBody>
+        </p:sp>
+        <p:sp>
+          <p:nvSpPr>
+            <p:cNvPr id="67" name="타원 66">
+              <a:extLst>
+                <a:ext uri="{FF2B5EF4-FFF2-40B4-BE49-F238E27FC236}">
+                  <a16:creationId xmlns:a16="http://schemas.microsoft.com/office/drawing/2014/main" id="{73393F48-C8DB-ADB0-FC74-F6E7AD2B1FC9}"/>
+                </a:ext>
+              </a:extLst>
+            </p:cNvPr>
+            <p:cNvSpPr/>
+            <p:nvPr/>
+          </p:nvSpPr>
+          <p:spPr>
+            <a:xfrm>
+              <a:off x="2798038" y="3115027"/>
+              <a:ext cx="167368" cy="167368"/>
+            </a:xfrm>
+            <a:prstGeom prst="ellipse">
+              <a:avLst/>
+            </a:prstGeom>
+            <a:solidFill>
+              <a:schemeClr val="accent3">
+                <a:lumMod val="60000"/>
+                <a:lumOff val="40000"/>
+              </a:schemeClr>
+            </a:solidFill>
+            <a:ln w="57150">
+              <a:solidFill>
+                <a:schemeClr val="tx1"/>
+              </a:solidFill>
+            </a:ln>
+          </p:spPr>
+          <p:style>
+            <a:lnRef idx="2">
+              <a:schemeClr val="accent1">
+                <a:shade val="15000"/>
+              </a:schemeClr>
+            </a:lnRef>
+            <a:fillRef idx="1">
+              <a:schemeClr val="accent1"/>
+            </a:fillRef>
+            <a:effectRef idx="0">
+              <a:schemeClr val="accent1"/>
+            </a:effectRef>
+            <a:fontRef idx="minor">
+              <a:schemeClr val="lt1"/>
+            </a:fontRef>
+          </p:style>
+          <p:txBody>
+            <a:bodyPr rtlCol="0" anchor="ctr"/>
+            <a:lstStyle/>
+            <a:p>
+              <a:pPr algn="ctr"/>
+              <a:endParaRPr lang="ko-KR" altLang="en-US"/>
+            </a:p>
+          </p:txBody>
+        </p:sp>
+        <p:sp>
+          <p:nvSpPr>
+            <p:cNvPr id="68" name="타원 67">
+              <a:extLst>
+                <a:ext uri="{FF2B5EF4-FFF2-40B4-BE49-F238E27FC236}">
+                  <a16:creationId xmlns:a16="http://schemas.microsoft.com/office/drawing/2014/main" id="{5936D7FB-87C5-03EB-C712-1D57F574AC2D}"/>
+                </a:ext>
+              </a:extLst>
+            </p:cNvPr>
+            <p:cNvSpPr/>
+            <p:nvPr/>
+          </p:nvSpPr>
+          <p:spPr>
+            <a:xfrm>
+              <a:off x="2524149" y="5026586"/>
+              <a:ext cx="167368" cy="167368"/>
+            </a:xfrm>
+            <a:prstGeom prst="ellipse">
+              <a:avLst/>
+            </a:prstGeom>
+            <a:solidFill>
+              <a:schemeClr val="accent2">
+                <a:lumMod val="60000"/>
+                <a:lumOff val="40000"/>
+              </a:schemeClr>
+            </a:solidFill>
+            <a:ln w="57150">
+              <a:solidFill>
+                <a:schemeClr val="tx1"/>
+              </a:solidFill>
+            </a:ln>
+          </p:spPr>
+          <p:style>
+            <a:lnRef idx="2">
+              <a:schemeClr val="accent1">
+                <a:shade val="15000"/>
+              </a:schemeClr>
+            </a:lnRef>
+            <a:fillRef idx="1">
+              <a:schemeClr val="accent1"/>
+            </a:fillRef>
+            <a:effectRef idx="0">
+              <a:schemeClr val="accent1"/>
+            </a:effectRef>
+            <a:fontRef idx="minor">
+              <a:schemeClr val="lt1"/>
+            </a:fontRef>
+          </p:style>
+          <p:txBody>
+            <a:bodyPr rtlCol="0" anchor="ctr"/>
+            <a:lstStyle/>
+            <a:p>
+              <a:pPr algn="ctr"/>
+              <a:endParaRPr lang="ko-KR" altLang="en-US"/>
+            </a:p>
+          </p:txBody>
+        </p:sp>
+        <p:sp>
+          <p:nvSpPr>
+            <p:cNvPr id="69" name="타원 68">
+              <a:extLst>
+                <a:ext uri="{FF2B5EF4-FFF2-40B4-BE49-F238E27FC236}">
+                  <a16:creationId xmlns:a16="http://schemas.microsoft.com/office/drawing/2014/main" id="{AE5283AE-99DA-701F-9BB5-16EDCEBC2909}"/>
+                </a:ext>
+              </a:extLst>
+            </p:cNvPr>
+            <p:cNvSpPr/>
+            <p:nvPr/>
+          </p:nvSpPr>
+          <p:spPr>
+            <a:xfrm>
+              <a:off x="7707389" y="1493541"/>
+              <a:ext cx="167368" cy="167368"/>
+            </a:xfrm>
+            <a:prstGeom prst="ellipse">
+              <a:avLst/>
+            </a:prstGeom>
+            <a:solidFill>
+              <a:schemeClr val="accent2">
+                <a:lumMod val="60000"/>
+                <a:lumOff val="40000"/>
+              </a:schemeClr>
+            </a:solidFill>
+            <a:ln w="57150">
+              <a:solidFill>
+                <a:schemeClr val="tx1"/>
+              </a:solidFill>
+            </a:ln>
+          </p:spPr>
+          <p:style>
+            <a:lnRef idx="2">
+              <a:schemeClr val="accent1">
+                <a:shade val="15000"/>
+              </a:schemeClr>
+            </a:lnRef>
+            <a:fillRef idx="1">
+              <a:schemeClr val="accent1"/>
+            </a:fillRef>
+            <a:effectRef idx="0">
+              <a:schemeClr val="accent1"/>
+            </a:effectRef>
+            <a:fontRef idx="minor">
+              <a:schemeClr val="lt1"/>
+            </a:fontRef>
+          </p:style>
+          <p:txBody>
+            <a:bodyPr rtlCol="0" anchor="ctr"/>
+            <a:lstStyle/>
+            <a:p>
+              <a:pPr algn="ctr"/>
+              <a:endParaRPr lang="ko-KR" altLang="en-US"/>
+            </a:p>
+          </p:txBody>
+        </p:sp>
+        <p:sp>
+          <p:nvSpPr>
+            <p:cNvPr id="70" name="타원 69">
+              <a:extLst>
+                <a:ext uri="{FF2B5EF4-FFF2-40B4-BE49-F238E27FC236}">
+                  <a16:creationId xmlns:a16="http://schemas.microsoft.com/office/drawing/2014/main" id="{80FA33F3-39F2-3684-22D5-59C07726DCD2}"/>
+                </a:ext>
+              </a:extLst>
+            </p:cNvPr>
+            <p:cNvSpPr/>
+            <p:nvPr/>
+          </p:nvSpPr>
+          <p:spPr>
+            <a:xfrm>
+              <a:off x="9728695" y="3370269"/>
+              <a:ext cx="167368" cy="167368"/>
+            </a:xfrm>
+            <a:prstGeom prst="ellipse">
+              <a:avLst/>
+            </a:prstGeom>
+            <a:solidFill>
+              <a:schemeClr val="accent3">
+                <a:lumMod val="60000"/>
+                <a:lumOff val="40000"/>
+              </a:schemeClr>
+            </a:solidFill>
+            <a:ln w="57150">
+              <a:solidFill>
+                <a:schemeClr val="tx1"/>
+              </a:solidFill>
+            </a:ln>
+          </p:spPr>
+          <p:style>
+            <a:lnRef idx="2">
+              <a:schemeClr val="accent1">
+                <a:shade val="15000"/>
+              </a:schemeClr>
+            </a:lnRef>
+            <a:fillRef idx="1">
+              <a:schemeClr val="accent1"/>
+            </a:fillRef>
+            <a:effectRef idx="0">
+              <a:schemeClr val="accent1"/>
+            </a:effectRef>
+            <a:fontRef idx="minor">
+              <a:schemeClr val="lt1"/>
+            </a:fontRef>
+          </p:style>
+          <p:txBody>
+            <a:bodyPr rtlCol="0" anchor="ctr"/>
+            <a:lstStyle/>
+            <a:p>
+              <a:pPr algn="ctr"/>
+              <a:endParaRPr lang="ko-KR" altLang="en-US"/>
+            </a:p>
+          </p:txBody>
+        </p:sp>
+        <p:sp>
+          <p:nvSpPr>
+            <p:cNvPr id="73" name="TextBox 72">
+              <a:extLst>
+                <a:ext uri="{FF2B5EF4-FFF2-40B4-BE49-F238E27FC236}">
+                  <a16:creationId xmlns:a16="http://schemas.microsoft.com/office/drawing/2014/main" id="{15497015-D71D-1214-6CB3-2E940F74FCD7}"/>
+                </a:ext>
+              </a:extLst>
+            </p:cNvPr>
+            <p:cNvSpPr txBox="1"/>
+            <p:nvPr/>
+          </p:nvSpPr>
+          <p:spPr>
+            <a:xfrm>
+              <a:off x="-95251" y="-229505"/>
+              <a:ext cx="6792651" cy="461665"/>
+            </a:xfrm>
+            <a:prstGeom prst="rect">
+              <a:avLst/>
+            </a:prstGeom>
+            <a:noFill/>
+          </p:spPr>
+          <p:txBody>
+            <a:bodyPr wrap="square" rtlCol="0">
+              <a:spAutoFit/>
+            </a:bodyPr>
+            <a:lstStyle/>
+            <a:p>
+              <a:r>
+                <a:rPr lang="en-US" altLang="ko-KR" sz="2400" b="1" i="1" dirty="0">
+                  <a:solidFill>
+                    <a:srgbClr val="002060"/>
+                  </a:solidFill>
+                </a:rPr>
+                <a:t>20251204 Elsevier </a:t>
+              </a:r>
+              <a:r>
+                <a:rPr lang="ko-KR" altLang="en-US" sz="2400" b="1" i="1" dirty="0">
+                  <a:solidFill>
+                    <a:srgbClr val="002060"/>
+                  </a:solidFill>
+                </a:rPr>
+                <a:t>열분해 논문 캡션 분석</a:t>
+              </a:r>
+            </a:p>
+          </p:txBody>
+        </p:sp>
+      </p:grpSp>
+    </p:spTree>
+    <p:extLst>
+      <p:ext uri="{BB962C8B-B14F-4D97-AF65-F5344CB8AC3E}">
+        <p14:creationId xmlns:p14="http://schemas.microsoft.com/office/powerpoint/2010/main" val="192562257"/>
+      </p:ext>
+    </p:extLst>
+  </p:cSld>
+  <p:clrMapOvr>
+    <a:masterClrMapping/>
+  </p:clrMapOvr>
+</p:sld>
+</file>
+
 <file path=ppt/theme/theme1.xml><?xml version="1.0" encoding="utf-8"?>
 <a:theme xmlns:a="http://schemas.openxmlformats.org/drawingml/2006/main" name="Office 테마">
   <a:themeElements>
